--- a/宣道詩/(宣道詩153) 我屬乎主.pptx
+++ b/宣道詩/(宣道詩153) 我屬乎主.pptx
@@ -5,20 +5,29 @@
     <p:sldMasterId id="2147483660" r:id="rId1"/>
   </p:sldMasterIdLst>
   <p:notesMasterIdLst>
-    <p:notesMasterId r:id="rId10"/>
+    <p:notesMasterId r:id="rId19"/>
   </p:notesMasterIdLst>
   <p:handoutMasterIdLst>
-    <p:handoutMasterId r:id="rId11"/>
+    <p:handoutMasterId r:id="rId20"/>
   </p:handoutMasterIdLst>
   <p:sldIdLst>
-    <p:sldId id="1611" r:id="rId2"/>
-    <p:sldId id="1612" r:id="rId3"/>
-    <p:sldId id="1613" r:id="rId4"/>
-    <p:sldId id="1614" r:id="rId5"/>
-    <p:sldId id="1615" r:id="rId6"/>
-    <p:sldId id="1616" r:id="rId7"/>
-    <p:sldId id="1617" r:id="rId8"/>
-    <p:sldId id="1618" r:id="rId9"/>
+    <p:sldId id="256" r:id="rId2"/>
+    <p:sldId id="257" r:id="rId3"/>
+    <p:sldId id="258" r:id="rId4"/>
+    <p:sldId id="259" r:id="rId5"/>
+    <p:sldId id="260" r:id="rId6"/>
+    <p:sldId id="261" r:id="rId7"/>
+    <p:sldId id="262" r:id="rId8"/>
+    <p:sldId id="263" r:id="rId9"/>
+    <p:sldId id="264" r:id="rId10"/>
+    <p:sldId id="265" r:id="rId11"/>
+    <p:sldId id="266" r:id="rId12"/>
+    <p:sldId id="267" r:id="rId13"/>
+    <p:sldId id="268" r:id="rId14"/>
+    <p:sldId id="269" r:id="rId15"/>
+    <p:sldId id="270" r:id="rId16"/>
+    <p:sldId id="271" r:id="rId17"/>
+    <p:sldId id="272" r:id="rId18"/>
   </p:sldIdLst>
   <p:sldSz cx="12192000" cy="6858000"/>
   <p:notesSz cx="6858000" cy="9144000"/>
@@ -3724,254 +3733,1125 @@
       </p:grpSpPr>
       <p:sp>
         <p:nvSpPr>
-          <p:cNvPr id="4" name="Title 3"/>
+          <p:cNvPr id="4" name="標題 3"/>
           <p:cNvSpPr>
             <a:spLocks noGrp="1"/>
           </p:cNvSpPr>
           <p:nvPr>
             <p:ph type="title"/>
           </p:nvPr>
-        </p:nvSpPr>
-        <p:spPr/>
-        <p:txBody>
-          <a:bodyPr>
-            <a:normAutofit/>
-          </a:bodyPr>
-          <a:lstStyle/>
-          <a:p>
-            <a:r>
-              <a:rPr lang="en-US" altLang="zh-CN" sz="4800" b="1" dirty="0">
-                <a:solidFill>
-                  <a:srgbClr val="002060"/>
-                </a:solidFill>
-                <a:latin typeface="Microsoft JhengHei" panose="020B0604030504040204" pitchFamily="34" charset="-120"/>
-                <a:ea typeface="Microsoft JhengHei" panose="020B0604030504040204" pitchFamily="34" charset="-120"/>
-              </a:rPr>
-              <a:t>【</a:t>
-            </a:r>
-            <a:r>
-              <a:rPr lang="zh-CN" altLang="en-US" sz="4800" b="1" dirty="0">
-                <a:solidFill>
-                  <a:srgbClr val="002060"/>
-                </a:solidFill>
-                <a:latin typeface="Microsoft JhengHei" panose="020B0604030504040204" pitchFamily="34" charset="-120"/>
-                <a:ea typeface="Microsoft JhengHei" panose="020B0604030504040204" pitchFamily="34" charset="-120"/>
-              </a:rPr>
-              <a:t>我屬乎主</a:t>
-            </a:r>
-            <a:r>
-              <a:rPr lang="en-US" altLang="zh-CN" sz="4800" b="1" dirty="0">
-                <a:solidFill>
-                  <a:srgbClr val="002060"/>
-                </a:solidFill>
-                <a:latin typeface="Microsoft JhengHei" panose="020B0604030504040204" pitchFamily="34" charset="-120"/>
-                <a:ea typeface="Microsoft JhengHei" panose="020B0604030504040204" pitchFamily="34" charset="-120"/>
-              </a:rPr>
-              <a:t>】</a:t>
-            </a:r>
-          </a:p>
-        </p:txBody>
-      </p:sp>
-      <p:sp>
-        <p:nvSpPr>
-          <p:cNvPr id="5" name="Content Placeholder 4"/>
-          <p:cNvSpPr>
-            <a:spLocks noGrp="1"/>
-          </p:cNvSpPr>
-          <p:nvPr>
-            <p:ph idx="1"/>
-          </p:nvPr>
-        </p:nvSpPr>
-        <p:spPr/>
-        <p:txBody>
-          <a:bodyPr>
-            <a:normAutofit/>
-          </a:bodyPr>
-          <a:lstStyle/>
-          <a:p>
-            <a:pPr marL="0" indent="0" algn="ctr">
-              <a:buNone/>
-            </a:pPr>
-            <a:r>
-              <a:rPr lang="zh-TW" altLang="en-US" sz="5400" b="1" dirty="0">
-                <a:solidFill>
-                  <a:srgbClr val="002060"/>
-                </a:solidFill>
-                <a:latin typeface="Microsoft JhengHei" panose="020B0604030504040204" pitchFamily="34" charset="-120"/>
-                <a:ea typeface="Microsoft JhengHei" panose="020B0604030504040204" pitchFamily="34" charset="-120"/>
-              </a:rPr>
-              <a:t>我乃屬耶</a:t>
-            </a:r>
-            <a:r>
-              <a:rPr lang="zh-TW" altLang="en-US" sz="5400" b="1" dirty="0">
-                <a:solidFill>
-                  <a:srgbClr val="002060"/>
-                </a:solidFill>
-                <a:latin typeface="Microsoft JhengHei" panose="020B0604030504040204" pitchFamily="34" charset="-120"/>
-                <a:ea typeface="Microsoft JhengHei" panose="020B0604030504040204" pitchFamily="34" charset="-120"/>
-              </a:rPr>
-              <a:t>穌  我</a:t>
-            </a:r>
-            <a:r>
-              <a:rPr lang="zh-TW" altLang="en-US" sz="5400" b="1" dirty="0">
-                <a:solidFill>
-                  <a:srgbClr val="002060"/>
-                </a:solidFill>
-                <a:latin typeface="Microsoft JhengHei" panose="020B0604030504040204" pitchFamily="34" charset="-120"/>
-                <a:ea typeface="Microsoft JhengHei" panose="020B0604030504040204" pitchFamily="34" charset="-120"/>
-              </a:rPr>
-              <a:t>認主恩愛</a:t>
-            </a:r>
-          </a:p>
-          <a:p>
-            <a:pPr marL="0" indent="0" algn="ctr">
-              <a:buNone/>
-            </a:pPr>
-            <a:r>
-              <a:rPr lang="zh-TW" altLang="en-US" sz="5400" b="1" dirty="0">
-                <a:solidFill>
-                  <a:srgbClr val="002060"/>
-                </a:solidFill>
-                <a:latin typeface="Microsoft JhengHei" panose="020B0604030504040204" pitchFamily="34" charset="-120"/>
-                <a:ea typeface="Microsoft JhengHei" panose="020B0604030504040204" pitchFamily="34" charset="-120"/>
-              </a:rPr>
-              <a:t>恩奇美正合我</a:t>
-            </a:r>
-            <a:r>
-              <a:rPr lang="zh-TW" altLang="en-US" sz="5400" b="1" dirty="0">
-                <a:solidFill>
-                  <a:srgbClr val="002060"/>
-                </a:solidFill>
-                <a:latin typeface="Microsoft JhengHei" panose="020B0604030504040204" pitchFamily="34" charset="-120"/>
-                <a:ea typeface="Microsoft JhengHei" panose="020B0604030504040204" pitchFamily="34" charset="-120"/>
-              </a:rPr>
-              <a:t>心</a:t>
-            </a:r>
-            <a:endParaRPr lang="en-US" altLang="zh-TW" sz="5400" b="1" dirty="0">
-              <a:solidFill>
-                <a:srgbClr val="002060"/>
-              </a:solidFill>
-              <a:latin typeface="Microsoft JhengHei" panose="020B0604030504040204" pitchFamily="34" charset="-120"/>
-              <a:ea typeface="Microsoft JhengHei" panose="020B0604030504040204" pitchFamily="34" charset="-120"/>
-            </a:endParaRPr>
-          </a:p>
-          <a:p>
-            <a:pPr marL="0" indent="0" algn="ctr">
-              <a:buNone/>
-            </a:pPr>
-            <a:r>
-              <a:rPr lang="zh-TW" altLang="en-US" sz="5400" b="1" dirty="0">
-                <a:solidFill>
-                  <a:srgbClr val="002060"/>
-                </a:solidFill>
-                <a:latin typeface="Microsoft JhengHei" panose="020B0604030504040204" pitchFamily="34" charset="-120"/>
-                <a:ea typeface="Microsoft JhengHei" panose="020B0604030504040204" pitchFamily="34" charset="-120"/>
-              </a:rPr>
-              <a:t>今求賜大</a:t>
-            </a:r>
-            <a:r>
-              <a:rPr lang="zh-TW" altLang="en-US" sz="5400" b="1" dirty="0">
-                <a:solidFill>
-                  <a:srgbClr val="002060"/>
-                </a:solidFill>
-                <a:latin typeface="Microsoft JhengHei" panose="020B0604030504040204" pitchFamily="34" charset="-120"/>
-                <a:ea typeface="Microsoft JhengHei" panose="020B0604030504040204" pitchFamily="34" charset="-120"/>
-              </a:rPr>
-              <a:t>信  走</a:t>
-            </a:r>
-            <a:r>
-              <a:rPr lang="zh-TW" altLang="en-US" sz="5400" b="1" dirty="0">
-                <a:solidFill>
-                  <a:srgbClr val="002060"/>
-                </a:solidFill>
-                <a:latin typeface="Microsoft JhengHei" panose="020B0604030504040204" pitchFamily="34" charset="-120"/>
-                <a:ea typeface="Microsoft JhengHei" panose="020B0604030504040204" pitchFamily="34" charset="-120"/>
-              </a:rPr>
-              <a:t>天路飛快</a:t>
-            </a:r>
-          </a:p>
-          <a:p>
-            <a:pPr marL="0" indent="0" algn="ctr">
-              <a:buNone/>
-            </a:pPr>
-            <a:r>
-              <a:rPr lang="zh-TW" altLang="en-US" sz="5400" b="1" dirty="0">
-                <a:solidFill>
-                  <a:srgbClr val="002060"/>
-                </a:solidFill>
-                <a:latin typeface="Microsoft JhengHei" panose="020B0604030504040204" pitchFamily="34" charset="-120"/>
-                <a:ea typeface="Microsoft JhengHei" panose="020B0604030504040204" pitchFamily="34" charset="-120"/>
-              </a:rPr>
-              <a:t>常與主相近相</a:t>
-            </a:r>
-            <a:r>
-              <a:rPr lang="zh-TW" altLang="en-US" sz="5400" b="1" dirty="0">
-                <a:solidFill>
-                  <a:srgbClr val="002060"/>
-                </a:solidFill>
-                <a:latin typeface="Microsoft JhengHei" panose="020B0604030504040204" pitchFamily="34" charset="-120"/>
-                <a:ea typeface="Microsoft JhengHei" panose="020B0604030504040204" pitchFamily="34" charset="-120"/>
-              </a:rPr>
-              <a:t>親</a:t>
-            </a:r>
-            <a:endParaRPr lang="zh-TW" altLang="en-US" sz="5400" b="1" dirty="0">
-              <a:solidFill>
-                <a:srgbClr val="002060"/>
-              </a:solidFill>
-              <a:latin typeface="Microsoft JhengHei" panose="020B0604030504040204" pitchFamily="34" charset="-120"/>
-              <a:ea typeface="Microsoft JhengHei" panose="020B0604030504040204" pitchFamily="34" charset="-120"/>
-            </a:endParaRPr>
-          </a:p>
-        </p:txBody>
-      </p:sp>
-      <p:sp>
-        <p:nvSpPr>
-          <p:cNvPr id="6" name="Text Box 1"/>
-          <p:cNvSpPr txBox="1"/>
-          <p:nvPr/>
         </p:nvSpPr>
         <p:spPr>
           <a:xfrm>
-            <a:off x="609600" y="1700808"/>
-            <a:ext cx="1380490" cy="923330"/>
+            <a:off x="0" y="2857513"/>
+            <a:ext cx="12192000" cy="1143000"/>
           </a:xfrm>
-          <a:prstGeom prst="rect">
-            <a:avLst/>
-          </a:prstGeom>
-          <a:noFill/>
-          <a:ln w="9525">
-            <a:noFill/>
-            <a:miter lim="800000"/>
-          </a:ln>
         </p:spPr>
         <p:txBody>
-          <a:bodyPr wrap="square">
-            <a:spAutoFit/>
+          <a:bodyPr>
+            <a:noAutofit/>
           </a:bodyPr>
           <a:lstStyle/>
           <a:p>
-            <a:pPr algn="ctr"/>
-            <a:r>
-              <a:rPr lang="en-US" sz="5400" b="1" dirty="0">
-                <a:solidFill>
-                  <a:srgbClr val="002060"/>
-                </a:solidFill>
+            <a:r>
+              <a:rPr lang="zh-CN" altLang="en-US" sz="5333" b="1" u="sng" dirty="0">
+                <a:solidFill>
+                  <a:srgbClr val="000066"/>
+                </a:solidFill>
+                <a:effectLst>
+                  <a:outerShdw blurRad="38100" dist="38100" dir="2700000" algn="tl">
+                    <a:srgbClr val="000000">
+                      <a:alpha val="43137"/>
+                    </a:srgbClr>
+                  </a:outerShdw>
+                </a:effectLst>
+                <a:latin typeface="微軟正黑體" pitchFamily="34" charset="-120"/>
+                <a:ea typeface="微軟正黑體" pitchFamily="34" charset="-120"/>
               </a:rPr>
-              <a:t>1.</a:t>
-            </a:r>
+              <a:t>宣道詩 </a:t>
+            </a:r>
+            <a:r>
+              <a:rPr lang="en-US" altLang="zh-CN" sz="5333" b="1" u="sng" dirty="0">
+                <a:solidFill>
+                  <a:srgbClr val="000066"/>
+                </a:solidFill>
+                <a:effectLst>
+                  <a:outerShdw blurRad="38100" dist="38100" dir="2700000" algn="tl">
+                    <a:srgbClr val="000000">
+                      <a:alpha val="43137"/>
+                    </a:srgbClr>
+                  </a:outerShdw>
+                </a:effectLst>
+                <a:latin typeface="微軟正黑體" pitchFamily="34" charset="-120"/>
+                <a:ea typeface="微軟正黑體" pitchFamily="34" charset="-120"/>
+              </a:rPr>
+              <a:t>153</a:t>
+            </a:r>
+            <a:r>
+              <a:rPr lang="en-US" altLang="zh-CN" sz="7200" b="1" i="1" dirty="0">
+                <a:solidFill>
+                  <a:srgbClr val="660033"/>
+                </a:solidFill>
+                <a:effectLst>
+                  <a:outerShdw blurRad="38100" dist="38100" dir="2700000" algn="tl">
+                    <a:srgbClr val="000000">
+                      <a:alpha val="43137"/>
+                    </a:srgbClr>
+                  </a:outerShdw>
+                </a:effectLst>
+                <a:latin typeface="微軟正黑體" pitchFamily="34" charset="-120"/>
+                <a:ea typeface="微軟正黑體" pitchFamily="34" charset="-120"/>
+              </a:rPr>
+              <a:t/>
+            </a:r>
+            <a:br>
+              <a:rPr lang="en-US" altLang="zh-CN" sz="7200" b="1" i="1" dirty="0">
+                <a:solidFill>
+                  <a:srgbClr val="660033"/>
+                </a:solidFill>
+                <a:effectLst>
+                  <a:outerShdw blurRad="38100" dist="38100" dir="2700000" algn="tl">
+                    <a:srgbClr val="000000">
+                      <a:alpha val="43137"/>
+                    </a:srgbClr>
+                  </a:outerShdw>
+                </a:effectLst>
+                <a:latin typeface="微軟正黑體" pitchFamily="34" charset="-120"/>
+                <a:ea typeface="微軟正黑體" pitchFamily="34" charset="-120"/>
+              </a:rPr>
+            </a:br>
+            <a:r>
+              <a:rPr lang="zh-CN" altLang="en-US" sz="8000" b="1" dirty="0">
+                <a:solidFill>
+                  <a:srgbClr val="660033"/>
+                </a:solidFill>
+                <a:effectLst>
+                  <a:outerShdw blurRad="38100" dist="38100" dir="2700000" algn="tl">
+                    <a:srgbClr val="000000">
+                      <a:alpha val="43137"/>
+                    </a:srgbClr>
+                  </a:outerShdw>
+                </a:effectLst>
+                <a:latin typeface="微軟正黑體" pitchFamily="34" charset="-120"/>
+                <a:ea typeface="微軟正黑體" pitchFamily="34" charset="-120"/>
+              </a:rPr>
+              <a:t>我</a:t>
+            </a:r>
+            <a:r>
+              <a:rPr lang="zh-CN" altLang="en-US" sz="8000" b="1" dirty="0">
+                <a:solidFill>
+                  <a:srgbClr val="660033"/>
+                </a:solidFill>
+                <a:effectLst>
+                  <a:outerShdw blurRad="38100" dist="38100" dir="2700000" algn="tl">
+                    <a:srgbClr val="000000">
+                      <a:alpha val="43137"/>
+                    </a:srgbClr>
+                  </a:outerShdw>
+                </a:effectLst>
+                <a:latin typeface="微軟正黑體" pitchFamily="34" charset="-120"/>
+                <a:ea typeface="微軟正黑體" pitchFamily="34" charset="-120"/>
+              </a:rPr>
+              <a:t>屬乎主</a:t>
+            </a:r>
+            <a:endParaRPr lang="zh-TW" altLang="en-US" sz="8000" b="1" dirty="0">
+              <a:solidFill>
+                <a:srgbClr val="660033"/>
+              </a:solidFill>
+              <a:effectLst>
+                <a:outerShdw blurRad="38100" dist="38100" dir="2700000" algn="tl">
+                  <a:srgbClr val="000000">
+                    <a:alpha val="43137"/>
+                  </a:srgbClr>
+                </a:outerShdw>
+              </a:effectLst>
+              <a:latin typeface="微軟正黑體" pitchFamily="34" charset="-120"/>
+              <a:ea typeface="微軟正黑體" pitchFamily="34" charset="-120"/>
+            </a:endParaRPr>
           </a:p>
         </p:txBody>
       </p:sp>
     </p:spTree>
     <p:extLst>
       <p:ext uri="{BB962C8B-B14F-4D97-AF65-F5344CB8AC3E}">
-        <p14:creationId xmlns:p14="http://schemas.microsoft.com/office/powerpoint/2010/main" val="2101758390"/>
+        <p14:creationId xmlns:p14="http://schemas.microsoft.com/office/powerpoint/2010/main" val="2831763260"/>
       </p:ext>
     </p:extLst>
   </p:cSld>
   <p:clrMapOvr>
     <a:masterClrMapping/>
   </p:clrMapOvr>
+  <p:timing>
+    <p:tnLst>
+      <p:par>
+        <p:cTn id="1" dur="indefinite" restart="never" nodeType="tmRoot"/>
+      </p:par>
+    </p:tnLst>
+  </p:timing>
+</p:sld>
+</file>
+
+<file path=ppt/slides/slide10.xml><?xml version="1.0" encoding="utf-8"?>
+<p:sld xmlns:a="http://schemas.openxmlformats.org/drawingml/2006/main" xmlns:r="http://schemas.openxmlformats.org/officeDocument/2006/relationships" xmlns:p="http://schemas.openxmlformats.org/presentationml/2006/main">
+  <p:cSld>
+    <p:spTree>
+      <p:nvGrpSpPr>
+        <p:cNvPr id="1" name=""/>
+        <p:cNvGrpSpPr/>
+        <p:nvPr/>
+      </p:nvGrpSpPr>
+      <p:grpSpPr>
+        <a:xfrm>
+          <a:off x="0" y="0"/>
+          <a:ext cx="0" cy="0"/>
+          <a:chOff x="0" y="0"/>
+          <a:chExt cx="0" cy="0"/>
+        </a:xfrm>
+      </p:grpSpPr>
+      <p:sp>
+        <p:nvSpPr>
+          <p:cNvPr id="5" name="內容版面配置區 4"/>
+          <p:cNvSpPr>
+            <a:spLocks noGrp="1"/>
+          </p:cNvSpPr>
+          <p:nvPr>
+            <p:ph idx="1"/>
+          </p:nvPr>
+        </p:nvSpPr>
+        <p:spPr>
+          <a:xfrm>
+            <a:off x="0" y="2084851"/>
+            <a:ext cx="12192000" cy="2404863"/>
+          </a:xfrm>
+        </p:spPr>
+        <p:txBody>
+          <a:bodyPr anchor="ctr">
+            <a:normAutofit/>
+          </a:bodyPr>
+          <a:lstStyle/>
+          <a:p>
+            <a:pPr marL="0" indent="0" algn="ctr">
+              <a:buNone/>
+            </a:pPr>
+            <a:r>
+              <a:rPr lang="zh-TW" altLang="en-US" sz="6400" b="1" dirty="0">
+                <a:solidFill>
+                  <a:srgbClr val="660033"/>
+                </a:solidFill>
+                <a:latin typeface="Microsoft JhengHei" panose="020B0604030504040204" pitchFamily="34" charset="-120"/>
+                <a:ea typeface="Microsoft JhengHei" panose="020B0604030504040204" pitchFamily="34" charset="-120"/>
+              </a:rPr>
+              <a:t>恩座前祈禱  與我主親近</a:t>
+            </a:r>
+          </a:p>
+          <a:p>
+            <a:pPr marL="0" indent="0" algn="ctr">
+              <a:buNone/>
+            </a:pPr>
+            <a:r>
+              <a:rPr lang="zh-TW" altLang="en-US" sz="6400" b="1" dirty="0">
+                <a:solidFill>
+                  <a:srgbClr val="660033"/>
+                </a:solidFill>
+                <a:latin typeface="Microsoft JhengHei" panose="020B0604030504040204" pitchFamily="34" charset="-120"/>
+                <a:ea typeface="Microsoft JhengHei" panose="020B0604030504040204" pitchFamily="34" charset="-120"/>
+              </a:rPr>
+              <a:t>似良友親密相交</a:t>
+            </a:r>
+            <a:endParaRPr lang="en-US" altLang="zh-TW" sz="6400" b="1" dirty="0">
+              <a:solidFill>
+                <a:srgbClr val="660033"/>
+              </a:solidFill>
+              <a:latin typeface="Microsoft JhengHei" panose="020B0604030504040204" pitchFamily="34" charset="-120"/>
+              <a:ea typeface="Microsoft JhengHei" panose="020B0604030504040204" pitchFamily="34" charset="-120"/>
+            </a:endParaRPr>
+          </a:p>
+        </p:txBody>
+      </p:sp>
+      <p:sp>
+        <p:nvSpPr>
+          <p:cNvPr id="3" name="TextBox 2"/>
+          <p:cNvSpPr txBox="1"/>
+          <p:nvPr/>
+        </p:nvSpPr>
+        <p:spPr>
+          <a:xfrm>
+            <a:off x="431371" y="2180862"/>
+            <a:ext cx="1248139" cy="1200329"/>
+          </a:xfrm>
+          <a:prstGeom prst="rect">
+            <a:avLst/>
+          </a:prstGeom>
+          <a:noFill/>
+        </p:spPr>
+        <p:txBody>
+          <a:bodyPr wrap="square" rtlCol="0">
+            <a:spAutoFit/>
+          </a:bodyPr>
+          <a:lstStyle/>
+          <a:p>
+            <a:r>
+              <a:rPr lang="en-US" sz="7200" b="1" dirty="0">
+                <a:solidFill>
+                  <a:srgbClr val="660033"/>
+                </a:solidFill>
+              </a:rPr>
+              <a:t>3.</a:t>
+            </a:r>
+            <a:endParaRPr lang="vi-VN" sz="7200" b="1" dirty="0">
+              <a:solidFill>
+                <a:srgbClr val="660033"/>
+              </a:solidFill>
+            </a:endParaRPr>
+          </a:p>
+        </p:txBody>
+      </p:sp>
+    </p:spTree>
+    <p:extLst>
+      <p:ext uri="{BB962C8B-B14F-4D97-AF65-F5344CB8AC3E}">
+        <p14:creationId xmlns:p14="http://schemas.microsoft.com/office/powerpoint/2010/main" val="856491254"/>
+      </p:ext>
+    </p:extLst>
+  </p:cSld>
+  <p:clrMapOvr>
+    <a:masterClrMapping/>
+  </p:clrMapOvr>
+  <p:timing>
+    <p:tnLst>
+      <p:par>
+        <p:cTn id="1" dur="indefinite" restart="never" nodeType="tmRoot"/>
+      </p:par>
+    </p:tnLst>
+  </p:timing>
+</p:sld>
+</file>
+
+<file path=ppt/slides/slide11.xml><?xml version="1.0" encoding="utf-8"?>
+<p:sld xmlns:a="http://schemas.openxmlformats.org/drawingml/2006/main" xmlns:r="http://schemas.openxmlformats.org/officeDocument/2006/relationships" xmlns:p="http://schemas.openxmlformats.org/presentationml/2006/main">
+  <p:cSld>
+    <p:spTree>
+      <p:nvGrpSpPr>
+        <p:cNvPr id="1" name=""/>
+        <p:cNvGrpSpPr/>
+        <p:nvPr/>
+      </p:nvGrpSpPr>
+      <p:grpSpPr>
+        <a:xfrm>
+          <a:off x="0" y="0"/>
+          <a:ext cx="0" cy="0"/>
+          <a:chOff x="0" y="0"/>
+          <a:chExt cx="0" cy="0"/>
+        </a:xfrm>
+      </p:grpSpPr>
+      <p:sp>
+        <p:nvSpPr>
+          <p:cNvPr id="5" name="內容版面配置區 4"/>
+          <p:cNvSpPr>
+            <a:spLocks noGrp="1"/>
+          </p:cNvSpPr>
+          <p:nvPr>
+            <p:ph idx="1"/>
+          </p:nvPr>
+        </p:nvSpPr>
+        <p:spPr>
+          <a:xfrm>
+            <a:off x="0" y="2084851"/>
+            <a:ext cx="12192000" cy="2404863"/>
+          </a:xfrm>
+        </p:spPr>
+        <p:txBody>
+          <a:bodyPr anchor="ctr">
+            <a:normAutofit/>
+          </a:bodyPr>
+          <a:lstStyle/>
+          <a:p>
+            <a:pPr marL="0" indent="0" algn="ctr">
+              <a:buNone/>
+            </a:pPr>
+            <a:r>
+              <a:rPr lang="zh-TW" altLang="en-US" sz="6400" b="1" dirty="0">
+                <a:solidFill>
+                  <a:srgbClr val="660033"/>
+                </a:solidFill>
+                <a:latin typeface="Microsoft JhengHei" panose="020B0604030504040204" pitchFamily="34" charset="-120"/>
+                <a:ea typeface="Microsoft JhengHei" panose="020B0604030504040204" pitchFamily="34" charset="-120"/>
+              </a:rPr>
+              <a:t>心喜樂難言  真得福無盡</a:t>
+            </a:r>
+          </a:p>
+          <a:p>
+            <a:pPr marL="0" indent="0" algn="ctr">
+              <a:buNone/>
+            </a:pPr>
+            <a:r>
+              <a:rPr lang="zh-TW" altLang="en-US" sz="6400" b="1" dirty="0">
+                <a:solidFill>
+                  <a:srgbClr val="660033"/>
+                </a:solidFill>
+                <a:latin typeface="Microsoft JhengHei" panose="020B0604030504040204" pitchFamily="34" charset="-120"/>
+                <a:ea typeface="Microsoft JhengHei" panose="020B0604030504040204" pitchFamily="34" charset="-120"/>
+              </a:rPr>
+              <a:t>勝華美    味嘉肴</a:t>
+            </a:r>
+            <a:endParaRPr lang="zh-TW" altLang="en-US" sz="6400" b="1" dirty="0">
+              <a:solidFill>
+                <a:srgbClr val="660033"/>
+              </a:solidFill>
+              <a:latin typeface="Microsoft JhengHei" panose="020B0604030504040204" pitchFamily="34" charset="-120"/>
+              <a:ea typeface="Microsoft JhengHei" panose="020B0604030504040204" pitchFamily="34" charset="-120"/>
+            </a:endParaRPr>
+          </a:p>
+        </p:txBody>
+      </p:sp>
+      <p:sp>
+        <p:nvSpPr>
+          <p:cNvPr id="3" name="TextBox 2"/>
+          <p:cNvSpPr txBox="1"/>
+          <p:nvPr/>
+        </p:nvSpPr>
+        <p:spPr>
+          <a:xfrm>
+            <a:off x="431371" y="2180862"/>
+            <a:ext cx="1248139" cy="1200329"/>
+          </a:xfrm>
+          <a:prstGeom prst="rect">
+            <a:avLst/>
+          </a:prstGeom>
+          <a:noFill/>
+        </p:spPr>
+        <p:txBody>
+          <a:bodyPr wrap="square" rtlCol="0">
+            <a:spAutoFit/>
+          </a:bodyPr>
+          <a:lstStyle/>
+          <a:p>
+            <a:r>
+              <a:rPr lang="en-US" sz="7200" b="1" dirty="0">
+                <a:solidFill>
+                  <a:srgbClr val="660033"/>
+                </a:solidFill>
+              </a:rPr>
+              <a:t>3.</a:t>
+            </a:r>
+            <a:endParaRPr lang="vi-VN" sz="7200" b="1" dirty="0">
+              <a:solidFill>
+                <a:srgbClr val="660033"/>
+              </a:solidFill>
+            </a:endParaRPr>
+          </a:p>
+        </p:txBody>
+      </p:sp>
+      <p:sp>
+        <p:nvSpPr>
+          <p:cNvPr id="2" name="TextBox 1"/>
+          <p:cNvSpPr txBox="1"/>
+          <p:nvPr/>
+        </p:nvSpPr>
+        <p:spPr>
+          <a:xfrm>
+            <a:off x="5519936" y="3322851"/>
+            <a:ext cx="1152128" cy="1077218"/>
+          </a:xfrm>
+          <a:prstGeom prst="rect">
+            <a:avLst/>
+          </a:prstGeom>
+          <a:noFill/>
+        </p:spPr>
+        <p:txBody>
+          <a:bodyPr wrap="square" rtlCol="0">
+            <a:spAutoFit/>
+          </a:bodyPr>
+          <a:lstStyle/>
+          <a:p>
+            <a:r>
+              <a:rPr lang="zh-TW" altLang="en-US" sz="6400" b="1" dirty="0">
+                <a:solidFill>
+                  <a:srgbClr val="660033"/>
+                </a:solidFill>
+                <a:latin typeface="Microsoft JhengHei" panose="020B0604030504040204" pitchFamily="34" charset="-120"/>
+                <a:ea typeface="Microsoft JhengHei" panose="020B0604030504040204" pitchFamily="34" charset="-120"/>
+              </a:rPr>
+              <a:t>筵</a:t>
+            </a:r>
+            <a:endParaRPr lang="vi-VN" sz="6400" dirty="0"/>
+          </a:p>
+        </p:txBody>
+      </p:sp>
+    </p:spTree>
+    <p:extLst>
+      <p:ext uri="{BB962C8B-B14F-4D97-AF65-F5344CB8AC3E}">
+        <p14:creationId xmlns:p14="http://schemas.microsoft.com/office/powerpoint/2010/main" val="2789516645"/>
+      </p:ext>
+    </p:extLst>
+  </p:cSld>
+  <p:clrMapOvr>
+    <a:masterClrMapping/>
+  </p:clrMapOvr>
+  <p:timing>
+    <p:tnLst>
+      <p:par>
+        <p:cTn id="1" dur="indefinite" restart="never" nodeType="tmRoot"/>
+      </p:par>
+    </p:tnLst>
+  </p:timing>
+</p:sld>
+</file>
+
+<file path=ppt/slides/slide12.xml><?xml version="1.0" encoding="utf-8"?>
+<p:sld xmlns:a="http://schemas.openxmlformats.org/drawingml/2006/main" xmlns:r="http://schemas.openxmlformats.org/officeDocument/2006/relationships" xmlns:p="http://schemas.openxmlformats.org/presentationml/2006/main">
+  <p:cSld>
+    <p:spTree>
+      <p:nvGrpSpPr>
+        <p:cNvPr id="1" name=""/>
+        <p:cNvGrpSpPr/>
+        <p:nvPr/>
+      </p:nvGrpSpPr>
+      <p:grpSpPr>
+        <a:xfrm>
+          <a:off x="0" y="0"/>
+          <a:ext cx="0" cy="0"/>
+          <a:chOff x="0" y="0"/>
+          <a:chExt cx="0" cy="0"/>
+        </a:xfrm>
+      </p:grpSpPr>
+      <p:sp>
+        <p:nvSpPr>
+          <p:cNvPr id="5" name="內容版面配置區 4"/>
+          <p:cNvSpPr>
+            <a:spLocks noGrp="1"/>
+          </p:cNvSpPr>
+          <p:nvPr>
+            <p:ph idx="1"/>
+          </p:nvPr>
+        </p:nvSpPr>
+        <p:spPr>
+          <a:xfrm>
+            <a:off x="0" y="2084851"/>
+            <a:ext cx="12192000" cy="2404863"/>
+          </a:xfrm>
+        </p:spPr>
+        <p:txBody>
+          <a:bodyPr anchor="ctr">
+            <a:normAutofit/>
+          </a:bodyPr>
+          <a:lstStyle/>
+          <a:p>
+            <a:pPr marL="0" indent="0" algn="ctr">
+              <a:buNone/>
+            </a:pPr>
+            <a:r>
+              <a:rPr lang="zh-TW" altLang="en-US" sz="6400" b="1" dirty="0">
+                <a:solidFill>
+                  <a:srgbClr val="660033"/>
+                </a:solidFill>
+                <a:latin typeface="Microsoft JhengHei" panose="020B0604030504040204" pitchFamily="34" charset="-120"/>
+                <a:ea typeface="Microsoft JhengHei" panose="020B0604030504040204" pitchFamily="34" charset="-120"/>
+              </a:rPr>
+              <a:t>親之近之  日日近乎主</a:t>
+            </a:r>
+          </a:p>
+          <a:p>
+            <a:pPr marL="0" indent="0" algn="ctr">
+              <a:buNone/>
+            </a:pPr>
+            <a:r>
+              <a:rPr lang="zh-TW" altLang="en-US" sz="6400" b="1" dirty="0">
+                <a:solidFill>
+                  <a:srgbClr val="660033"/>
+                </a:solidFill>
+                <a:latin typeface="Microsoft JhengHei" panose="020B0604030504040204" pitchFamily="34" charset="-120"/>
+                <a:ea typeface="Microsoft JhengHei" panose="020B0604030504040204" pitchFamily="34" charset="-120"/>
+              </a:rPr>
+              <a:t>來到主受死聖架</a:t>
+            </a:r>
+            <a:endParaRPr lang="en-US" altLang="zh-TW" sz="6400" b="1" dirty="0">
+              <a:solidFill>
+                <a:srgbClr val="660033"/>
+              </a:solidFill>
+              <a:latin typeface="Microsoft JhengHei" panose="020B0604030504040204" pitchFamily="34" charset="-120"/>
+              <a:ea typeface="Microsoft JhengHei" panose="020B0604030504040204" pitchFamily="34" charset="-120"/>
+            </a:endParaRPr>
+          </a:p>
+        </p:txBody>
+      </p:sp>
+    </p:spTree>
+    <p:extLst>
+      <p:ext uri="{BB962C8B-B14F-4D97-AF65-F5344CB8AC3E}">
+        <p14:creationId xmlns:p14="http://schemas.microsoft.com/office/powerpoint/2010/main" val="47650274"/>
+      </p:ext>
+    </p:extLst>
+  </p:cSld>
+  <p:clrMapOvr>
+    <a:masterClrMapping/>
+  </p:clrMapOvr>
+  <p:timing>
+    <p:tnLst>
+      <p:par>
+        <p:cTn id="1" dur="indefinite" restart="never" nodeType="tmRoot"/>
+      </p:par>
+    </p:tnLst>
+  </p:timing>
+</p:sld>
+</file>
+
+<file path=ppt/slides/slide13.xml><?xml version="1.0" encoding="utf-8"?>
+<p:sld xmlns:a="http://schemas.openxmlformats.org/drawingml/2006/main" xmlns:r="http://schemas.openxmlformats.org/officeDocument/2006/relationships" xmlns:p="http://schemas.openxmlformats.org/presentationml/2006/main">
+  <p:cSld>
+    <p:spTree>
+      <p:nvGrpSpPr>
+        <p:cNvPr id="1" name=""/>
+        <p:cNvGrpSpPr/>
+        <p:nvPr/>
+      </p:nvGrpSpPr>
+      <p:grpSpPr>
+        <a:xfrm>
+          <a:off x="0" y="0"/>
+          <a:ext cx="0" cy="0"/>
+          <a:chOff x="0" y="0"/>
+          <a:chExt cx="0" cy="0"/>
+        </a:xfrm>
+      </p:grpSpPr>
+      <p:sp>
+        <p:nvSpPr>
+          <p:cNvPr id="5" name="內容版面配置區 4"/>
+          <p:cNvSpPr>
+            <a:spLocks noGrp="1"/>
+          </p:cNvSpPr>
+          <p:nvPr>
+            <p:ph idx="1"/>
+          </p:nvPr>
+        </p:nvSpPr>
+        <p:spPr>
+          <a:xfrm>
+            <a:off x="0" y="2084851"/>
+            <a:ext cx="12192000" cy="2404863"/>
+          </a:xfrm>
+        </p:spPr>
+        <p:txBody>
+          <a:bodyPr anchor="ctr">
+            <a:normAutofit/>
+          </a:bodyPr>
+          <a:lstStyle/>
+          <a:p>
+            <a:pPr marL="0" indent="0" algn="ctr">
+              <a:buNone/>
+            </a:pPr>
+            <a:r>
+              <a:rPr lang="zh-TW" altLang="en-US" sz="6400" b="1" dirty="0">
+                <a:solidFill>
+                  <a:srgbClr val="660033"/>
+                </a:solidFill>
+                <a:latin typeface="Microsoft JhengHei" panose="020B0604030504040204" pitchFamily="34" charset="-120"/>
+                <a:ea typeface="Microsoft JhengHei" panose="020B0604030504040204" pitchFamily="34" charset="-120"/>
+              </a:rPr>
+              <a:t>親之近之  近之  日日近乎主</a:t>
+            </a:r>
+          </a:p>
+          <a:p>
+            <a:pPr marL="0" indent="0" algn="ctr">
+              <a:buNone/>
+            </a:pPr>
+            <a:r>
+              <a:rPr lang="zh-TW" altLang="en-US" sz="6400" b="1" dirty="0">
+                <a:solidFill>
+                  <a:srgbClr val="660033"/>
+                </a:solidFill>
+                <a:latin typeface="Microsoft JhengHei" panose="020B0604030504040204" pitchFamily="34" charset="-120"/>
+                <a:ea typeface="Microsoft JhengHei" panose="020B0604030504040204" pitchFamily="34" charset="-120"/>
+              </a:rPr>
+              <a:t>到流血寶身之下</a:t>
+            </a:r>
+            <a:endParaRPr lang="zh-TW" altLang="en-US" sz="6400" b="1" dirty="0">
+              <a:solidFill>
+                <a:srgbClr val="660033"/>
+              </a:solidFill>
+              <a:latin typeface="Microsoft JhengHei" panose="020B0604030504040204" pitchFamily="34" charset="-120"/>
+              <a:ea typeface="Microsoft JhengHei" panose="020B0604030504040204" pitchFamily="34" charset="-120"/>
+            </a:endParaRPr>
+          </a:p>
+        </p:txBody>
+      </p:sp>
+    </p:spTree>
+    <p:extLst>
+      <p:ext uri="{BB962C8B-B14F-4D97-AF65-F5344CB8AC3E}">
+        <p14:creationId xmlns:p14="http://schemas.microsoft.com/office/powerpoint/2010/main" val="3940488670"/>
+      </p:ext>
+    </p:extLst>
+  </p:cSld>
+  <p:clrMapOvr>
+    <a:masterClrMapping/>
+  </p:clrMapOvr>
+  <p:timing>
+    <p:tnLst>
+      <p:par>
+        <p:cTn id="1" dur="indefinite" restart="never" nodeType="tmRoot"/>
+      </p:par>
+    </p:tnLst>
+  </p:timing>
+</p:sld>
+</file>
+
+<file path=ppt/slides/slide14.xml><?xml version="1.0" encoding="utf-8"?>
+<p:sld xmlns:a="http://schemas.openxmlformats.org/drawingml/2006/main" xmlns:r="http://schemas.openxmlformats.org/officeDocument/2006/relationships" xmlns:p="http://schemas.openxmlformats.org/presentationml/2006/main">
+  <p:cSld>
+    <p:spTree>
+      <p:nvGrpSpPr>
+        <p:cNvPr id="1" name=""/>
+        <p:cNvGrpSpPr/>
+        <p:nvPr/>
+      </p:nvGrpSpPr>
+      <p:grpSpPr>
+        <a:xfrm>
+          <a:off x="0" y="0"/>
+          <a:ext cx="0" cy="0"/>
+          <a:chOff x="0" y="0"/>
+          <a:chExt cx="0" cy="0"/>
+        </a:xfrm>
+      </p:grpSpPr>
+      <p:sp>
+        <p:nvSpPr>
+          <p:cNvPr id="5" name="內容版面配置區 4"/>
+          <p:cNvSpPr>
+            <a:spLocks noGrp="1"/>
+          </p:cNvSpPr>
+          <p:nvPr>
+            <p:ph idx="1"/>
+          </p:nvPr>
+        </p:nvSpPr>
+        <p:spPr>
+          <a:xfrm>
+            <a:off x="0" y="2084851"/>
+            <a:ext cx="12192000" cy="2404863"/>
+          </a:xfrm>
+        </p:spPr>
+        <p:txBody>
+          <a:bodyPr anchor="ctr">
+            <a:normAutofit/>
+          </a:bodyPr>
+          <a:lstStyle/>
+          <a:p>
+            <a:pPr marL="0" indent="0" algn="ctr">
+              <a:buNone/>
+            </a:pPr>
+            <a:r>
+              <a:rPr lang="zh-TW" altLang="en-US" sz="6400" b="1" dirty="0">
+                <a:solidFill>
+                  <a:srgbClr val="660033"/>
+                </a:solidFill>
+                <a:latin typeface="Microsoft JhengHei" panose="020B0604030504040204" pitchFamily="34" charset="-120"/>
+                <a:ea typeface="Microsoft JhengHei" panose="020B0604030504040204" pitchFamily="34" charset="-120"/>
+              </a:rPr>
+              <a:t>何其深主愛  何其大天樂</a:t>
+            </a:r>
+          </a:p>
+          <a:p>
+            <a:pPr marL="0" indent="0" algn="ctr">
+              <a:buNone/>
+            </a:pPr>
+            <a:r>
+              <a:rPr lang="zh-TW" altLang="en-US" sz="6400" b="1" dirty="0">
+                <a:solidFill>
+                  <a:srgbClr val="660033"/>
+                </a:solidFill>
+                <a:latin typeface="Microsoft JhengHei" panose="020B0604030504040204" pitchFamily="34" charset="-120"/>
+                <a:ea typeface="Microsoft JhengHei" panose="020B0604030504040204" pitchFamily="34" charset="-120"/>
+              </a:rPr>
+              <a:t>愛與樂來世顯明</a:t>
+            </a:r>
+            <a:endParaRPr lang="en-US" altLang="zh-TW" sz="6400" b="1" dirty="0">
+              <a:solidFill>
+                <a:srgbClr val="660033"/>
+              </a:solidFill>
+              <a:latin typeface="Microsoft JhengHei" panose="020B0604030504040204" pitchFamily="34" charset="-120"/>
+              <a:ea typeface="Microsoft JhengHei" panose="020B0604030504040204" pitchFamily="34" charset="-120"/>
+            </a:endParaRPr>
+          </a:p>
+        </p:txBody>
+      </p:sp>
+      <p:sp>
+        <p:nvSpPr>
+          <p:cNvPr id="3" name="TextBox 2"/>
+          <p:cNvSpPr txBox="1"/>
+          <p:nvPr/>
+        </p:nvSpPr>
+        <p:spPr>
+          <a:xfrm>
+            <a:off x="431371" y="2180862"/>
+            <a:ext cx="1248139" cy="1200329"/>
+          </a:xfrm>
+          <a:prstGeom prst="rect">
+            <a:avLst/>
+          </a:prstGeom>
+          <a:noFill/>
+        </p:spPr>
+        <p:txBody>
+          <a:bodyPr wrap="square" rtlCol="0">
+            <a:spAutoFit/>
+          </a:bodyPr>
+          <a:lstStyle/>
+          <a:p>
+            <a:r>
+              <a:rPr lang="en-US" sz="7200" b="1" dirty="0">
+                <a:solidFill>
+                  <a:srgbClr val="660033"/>
+                </a:solidFill>
+              </a:rPr>
+              <a:t>4.</a:t>
+            </a:r>
+            <a:endParaRPr lang="vi-VN" sz="7200" b="1" dirty="0">
+              <a:solidFill>
+                <a:srgbClr val="660033"/>
+              </a:solidFill>
+            </a:endParaRPr>
+          </a:p>
+        </p:txBody>
+      </p:sp>
+    </p:spTree>
+    <p:extLst>
+      <p:ext uri="{BB962C8B-B14F-4D97-AF65-F5344CB8AC3E}">
+        <p14:creationId xmlns:p14="http://schemas.microsoft.com/office/powerpoint/2010/main" val="1254063390"/>
+      </p:ext>
+    </p:extLst>
+  </p:cSld>
+  <p:clrMapOvr>
+    <a:masterClrMapping/>
+  </p:clrMapOvr>
+  <p:timing>
+    <p:tnLst>
+      <p:par>
+        <p:cTn id="1" dur="indefinite" restart="never" nodeType="tmRoot"/>
+      </p:par>
+    </p:tnLst>
+  </p:timing>
+</p:sld>
+</file>
+
+<file path=ppt/slides/slide15.xml><?xml version="1.0" encoding="utf-8"?>
+<p:sld xmlns:a="http://schemas.openxmlformats.org/drawingml/2006/main" xmlns:r="http://schemas.openxmlformats.org/officeDocument/2006/relationships" xmlns:p="http://schemas.openxmlformats.org/presentationml/2006/main">
+  <p:cSld>
+    <p:spTree>
+      <p:nvGrpSpPr>
+        <p:cNvPr id="1" name=""/>
+        <p:cNvGrpSpPr/>
+        <p:nvPr/>
+      </p:nvGrpSpPr>
+      <p:grpSpPr>
+        <a:xfrm>
+          <a:off x="0" y="0"/>
+          <a:ext cx="0" cy="0"/>
+          <a:chOff x="0" y="0"/>
+          <a:chExt cx="0" cy="0"/>
+        </a:xfrm>
+      </p:grpSpPr>
+      <p:sp>
+        <p:nvSpPr>
+          <p:cNvPr id="5" name="內容版面配置區 4"/>
+          <p:cNvSpPr>
+            <a:spLocks noGrp="1"/>
+          </p:cNvSpPr>
+          <p:nvPr>
+            <p:ph idx="1"/>
+          </p:nvPr>
+        </p:nvSpPr>
+        <p:spPr>
+          <a:xfrm>
+            <a:off x="0" y="2084851"/>
+            <a:ext cx="12192000" cy="2404863"/>
+          </a:xfrm>
+        </p:spPr>
+        <p:txBody>
+          <a:bodyPr anchor="ctr">
+            <a:normAutofit/>
+          </a:bodyPr>
+          <a:lstStyle/>
+          <a:p>
+            <a:pPr marL="0" indent="0" algn="ctr">
+              <a:buNone/>
+            </a:pPr>
+            <a:r>
+              <a:rPr lang="zh-TW" altLang="en-US" sz="6400" b="1" dirty="0">
+                <a:solidFill>
+                  <a:srgbClr val="660033"/>
+                </a:solidFill>
+                <a:latin typeface="Microsoft JhengHei" panose="020B0604030504040204" pitchFamily="34" charset="-120"/>
+                <a:ea typeface="Microsoft JhengHei" panose="020B0604030504040204" pitchFamily="34" charset="-120"/>
+              </a:rPr>
+              <a:t>靠於主心懷  已去盡罪惡</a:t>
+            </a:r>
+          </a:p>
+          <a:p>
+            <a:pPr marL="0" indent="0" algn="ctr">
+              <a:buNone/>
+            </a:pPr>
+            <a:r>
+              <a:rPr lang="zh-TW" altLang="en-US" sz="6400" b="1" dirty="0">
+                <a:solidFill>
+                  <a:srgbClr val="660033"/>
+                </a:solidFill>
+                <a:latin typeface="Microsoft JhengHei" panose="020B0604030504040204" pitchFamily="34" charset="-120"/>
+                <a:ea typeface="Microsoft JhengHei" panose="020B0604030504040204" pitchFamily="34" charset="-120"/>
+              </a:rPr>
+              <a:t>主榮光照耀罪人</a:t>
+            </a:r>
+            <a:endParaRPr lang="zh-TW" altLang="en-US" sz="6400" b="1" dirty="0">
+              <a:solidFill>
+                <a:srgbClr val="660033"/>
+              </a:solidFill>
+              <a:latin typeface="Microsoft JhengHei" panose="020B0604030504040204" pitchFamily="34" charset="-120"/>
+              <a:ea typeface="Microsoft JhengHei" panose="020B0604030504040204" pitchFamily="34" charset="-120"/>
+            </a:endParaRPr>
+          </a:p>
+        </p:txBody>
+      </p:sp>
+      <p:sp>
+        <p:nvSpPr>
+          <p:cNvPr id="3" name="TextBox 2"/>
+          <p:cNvSpPr txBox="1"/>
+          <p:nvPr/>
+        </p:nvSpPr>
+        <p:spPr>
+          <a:xfrm>
+            <a:off x="431371" y="2180862"/>
+            <a:ext cx="1248139" cy="1200329"/>
+          </a:xfrm>
+          <a:prstGeom prst="rect">
+            <a:avLst/>
+          </a:prstGeom>
+          <a:noFill/>
+        </p:spPr>
+        <p:txBody>
+          <a:bodyPr wrap="square" rtlCol="0">
+            <a:spAutoFit/>
+          </a:bodyPr>
+          <a:lstStyle/>
+          <a:p>
+            <a:r>
+              <a:rPr lang="en-US" sz="7200" b="1" dirty="0">
+                <a:solidFill>
+                  <a:srgbClr val="660033"/>
+                </a:solidFill>
+              </a:rPr>
+              <a:t>4.</a:t>
+            </a:r>
+            <a:endParaRPr lang="vi-VN" sz="7200" b="1" dirty="0">
+              <a:solidFill>
+                <a:srgbClr val="660033"/>
+              </a:solidFill>
+            </a:endParaRPr>
+          </a:p>
+        </p:txBody>
+      </p:sp>
+    </p:spTree>
+    <p:extLst>
+      <p:ext uri="{BB962C8B-B14F-4D97-AF65-F5344CB8AC3E}">
+        <p14:creationId xmlns:p14="http://schemas.microsoft.com/office/powerpoint/2010/main" val="1653074492"/>
+      </p:ext>
+    </p:extLst>
+  </p:cSld>
+  <p:clrMapOvr>
+    <a:masterClrMapping/>
+  </p:clrMapOvr>
+  <p:timing>
+    <p:tnLst>
+      <p:par>
+        <p:cTn id="1" dur="indefinite" restart="never" nodeType="tmRoot"/>
+      </p:par>
+    </p:tnLst>
+  </p:timing>
+</p:sld>
+</file>
+
+<file path=ppt/slides/slide16.xml><?xml version="1.0" encoding="utf-8"?>
+<p:sld xmlns:a="http://schemas.openxmlformats.org/drawingml/2006/main" xmlns:r="http://schemas.openxmlformats.org/officeDocument/2006/relationships" xmlns:p="http://schemas.openxmlformats.org/presentationml/2006/main">
+  <p:cSld>
+    <p:spTree>
+      <p:nvGrpSpPr>
+        <p:cNvPr id="1" name=""/>
+        <p:cNvGrpSpPr/>
+        <p:nvPr/>
+      </p:nvGrpSpPr>
+      <p:grpSpPr>
+        <a:xfrm>
+          <a:off x="0" y="0"/>
+          <a:ext cx="0" cy="0"/>
+          <a:chOff x="0" y="0"/>
+          <a:chExt cx="0" cy="0"/>
+        </a:xfrm>
+      </p:grpSpPr>
+      <p:sp>
+        <p:nvSpPr>
+          <p:cNvPr id="5" name="內容版面配置區 4"/>
+          <p:cNvSpPr>
+            <a:spLocks noGrp="1"/>
+          </p:cNvSpPr>
+          <p:nvPr>
+            <p:ph idx="1"/>
+          </p:nvPr>
+        </p:nvSpPr>
+        <p:spPr>
+          <a:xfrm>
+            <a:off x="0" y="2084851"/>
+            <a:ext cx="12192000" cy="2404863"/>
+          </a:xfrm>
+        </p:spPr>
+        <p:txBody>
+          <a:bodyPr anchor="ctr">
+            <a:normAutofit/>
+          </a:bodyPr>
+          <a:lstStyle/>
+          <a:p>
+            <a:pPr marL="0" indent="0" algn="ctr">
+              <a:buNone/>
+            </a:pPr>
+            <a:r>
+              <a:rPr lang="zh-TW" altLang="en-US" sz="6400" b="1" dirty="0">
+                <a:solidFill>
+                  <a:srgbClr val="660033"/>
+                </a:solidFill>
+                <a:latin typeface="Microsoft JhengHei" panose="020B0604030504040204" pitchFamily="34" charset="-120"/>
+                <a:ea typeface="Microsoft JhengHei" panose="020B0604030504040204" pitchFamily="34" charset="-120"/>
+              </a:rPr>
+              <a:t>親之近之  日日近乎主</a:t>
+            </a:r>
+          </a:p>
+          <a:p>
+            <a:pPr marL="0" indent="0" algn="ctr">
+              <a:buNone/>
+            </a:pPr>
+            <a:r>
+              <a:rPr lang="zh-TW" altLang="en-US" sz="6400" b="1" dirty="0">
+                <a:solidFill>
+                  <a:srgbClr val="660033"/>
+                </a:solidFill>
+                <a:latin typeface="Microsoft JhengHei" panose="020B0604030504040204" pitchFamily="34" charset="-120"/>
+                <a:ea typeface="Microsoft JhengHei" panose="020B0604030504040204" pitchFamily="34" charset="-120"/>
+              </a:rPr>
+              <a:t>來到主受死聖架</a:t>
+            </a:r>
+            <a:endParaRPr lang="en-US" altLang="zh-TW" sz="6400" b="1" dirty="0">
+              <a:solidFill>
+                <a:srgbClr val="660033"/>
+              </a:solidFill>
+              <a:latin typeface="Microsoft JhengHei" panose="020B0604030504040204" pitchFamily="34" charset="-120"/>
+              <a:ea typeface="Microsoft JhengHei" panose="020B0604030504040204" pitchFamily="34" charset="-120"/>
+            </a:endParaRPr>
+          </a:p>
+        </p:txBody>
+      </p:sp>
+    </p:spTree>
+    <p:extLst>
+      <p:ext uri="{BB962C8B-B14F-4D97-AF65-F5344CB8AC3E}">
+        <p14:creationId xmlns:p14="http://schemas.microsoft.com/office/powerpoint/2010/main" val="3193878367"/>
+      </p:ext>
+    </p:extLst>
+  </p:cSld>
+  <p:clrMapOvr>
+    <a:masterClrMapping/>
+  </p:clrMapOvr>
+  <p:timing>
+    <p:tnLst>
+      <p:par>
+        <p:cTn id="1" dur="indefinite" restart="never" nodeType="tmRoot"/>
+      </p:par>
+    </p:tnLst>
+  </p:timing>
+</p:sld>
+</file>
+
+<file path=ppt/slides/slide17.xml><?xml version="1.0" encoding="utf-8"?>
+<p:sld xmlns:a="http://schemas.openxmlformats.org/drawingml/2006/main" xmlns:r="http://schemas.openxmlformats.org/officeDocument/2006/relationships" xmlns:p="http://schemas.openxmlformats.org/presentationml/2006/main">
+  <p:cSld>
+    <p:spTree>
+      <p:nvGrpSpPr>
+        <p:cNvPr id="1" name=""/>
+        <p:cNvGrpSpPr/>
+        <p:nvPr/>
+      </p:nvGrpSpPr>
+      <p:grpSpPr>
+        <a:xfrm>
+          <a:off x="0" y="0"/>
+          <a:ext cx="0" cy="0"/>
+          <a:chOff x="0" y="0"/>
+          <a:chExt cx="0" cy="0"/>
+        </a:xfrm>
+      </p:grpSpPr>
+      <p:sp>
+        <p:nvSpPr>
+          <p:cNvPr id="5" name="內容版面配置區 4"/>
+          <p:cNvSpPr>
+            <a:spLocks noGrp="1"/>
+          </p:cNvSpPr>
+          <p:nvPr>
+            <p:ph idx="1"/>
+          </p:nvPr>
+        </p:nvSpPr>
+        <p:spPr>
+          <a:xfrm>
+            <a:off x="0" y="2084851"/>
+            <a:ext cx="12192000" cy="2404863"/>
+          </a:xfrm>
+        </p:spPr>
+        <p:txBody>
+          <a:bodyPr anchor="ctr">
+            <a:normAutofit/>
+          </a:bodyPr>
+          <a:lstStyle/>
+          <a:p>
+            <a:pPr marL="0" indent="0" algn="ctr">
+              <a:buNone/>
+            </a:pPr>
+            <a:r>
+              <a:rPr lang="zh-TW" altLang="en-US" sz="6400" b="1" dirty="0">
+                <a:solidFill>
+                  <a:srgbClr val="660033"/>
+                </a:solidFill>
+                <a:latin typeface="Microsoft JhengHei" panose="020B0604030504040204" pitchFamily="34" charset="-120"/>
+                <a:ea typeface="Microsoft JhengHei" panose="020B0604030504040204" pitchFamily="34" charset="-120"/>
+              </a:rPr>
+              <a:t>親之近之  近之  日日近乎主</a:t>
+            </a:r>
+          </a:p>
+          <a:p>
+            <a:pPr marL="0" indent="0" algn="ctr">
+              <a:buNone/>
+            </a:pPr>
+            <a:r>
+              <a:rPr lang="zh-TW" altLang="en-US" sz="6400" b="1" dirty="0">
+                <a:solidFill>
+                  <a:srgbClr val="660033"/>
+                </a:solidFill>
+                <a:latin typeface="Microsoft JhengHei" panose="020B0604030504040204" pitchFamily="34" charset="-120"/>
+                <a:ea typeface="Microsoft JhengHei" panose="020B0604030504040204" pitchFamily="34" charset="-120"/>
+              </a:rPr>
+              <a:t>到流血寶身之下</a:t>
+            </a:r>
+            <a:endParaRPr lang="zh-TW" altLang="en-US" sz="6400" b="1" dirty="0">
+              <a:solidFill>
+                <a:srgbClr val="660033"/>
+              </a:solidFill>
+              <a:latin typeface="Microsoft JhengHei" panose="020B0604030504040204" pitchFamily="34" charset="-120"/>
+              <a:ea typeface="Microsoft JhengHei" panose="020B0604030504040204" pitchFamily="34" charset="-120"/>
+            </a:endParaRPr>
+          </a:p>
+        </p:txBody>
+      </p:sp>
+    </p:spTree>
+    <p:extLst>
+      <p:ext uri="{BB962C8B-B14F-4D97-AF65-F5344CB8AC3E}">
+        <p14:creationId xmlns:p14="http://schemas.microsoft.com/office/powerpoint/2010/main" val="915079744"/>
+      </p:ext>
+    </p:extLst>
+  </p:cSld>
+  <p:clrMapOvr>
+    <a:masterClrMapping/>
+  </p:clrMapOvr>
+  <p:timing>
+    <p:tnLst>
+      <p:par>
+        <p:cTn id="1" dur="indefinite" restart="never" nodeType="tmRoot"/>
+      </p:par>
+    </p:tnLst>
+  </p:timing>
 </p:sld>
 </file>
 
@@ -3994,202 +4874,98 @@
       </p:grpSpPr>
       <p:sp>
         <p:nvSpPr>
-          <p:cNvPr id="4" name="Title 3"/>
-          <p:cNvSpPr>
-            <a:spLocks noGrp="1"/>
-          </p:cNvSpPr>
-          <p:nvPr>
-            <p:ph type="title"/>
-          </p:nvPr>
-        </p:nvSpPr>
-        <p:spPr/>
-        <p:txBody>
-          <a:bodyPr>
+          <p:cNvPr id="5" name="內容版面配置區 4"/>
+          <p:cNvSpPr>
+            <a:spLocks noGrp="1"/>
+          </p:cNvSpPr>
+          <p:nvPr>
+            <p:ph idx="1"/>
+          </p:nvPr>
+        </p:nvSpPr>
+        <p:spPr>
+          <a:xfrm>
+            <a:off x="0" y="2084851"/>
+            <a:ext cx="12192000" cy="2404863"/>
+          </a:xfrm>
+        </p:spPr>
+        <p:txBody>
+          <a:bodyPr anchor="ctr">
             <a:normAutofit/>
           </a:bodyPr>
           <a:lstStyle/>
           <a:p>
-            <a:r>
-              <a:rPr lang="en-US" altLang="zh-CN" sz="4800" b="1" dirty="0">
-                <a:solidFill>
-                  <a:srgbClr val="002060"/>
+            <a:pPr marL="0" indent="0" algn="ctr">
+              <a:buNone/>
+            </a:pPr>
+            <a:r>
+              <a:rPr lang="zh-TW" altLang="en-US" sz="6400" b="1" dirty="0">
+                <a:solidFill>
+                  <a:srgbClr val="660033"/>
                 </a:solidFill>
                 <a:latin typeface="Microsoft JhengHei" panose="020B0604030504040204" pitchFamily="34" charset="-120"/>
                 <a:ea typeface="Microsoft JhengHei" panose="020B0604030504040204" pitchFamily="34" charset="-120"/>
               </a:rPr>
-              <a:t>【</a:t>
-            </a:r>
-            <a:r>
-              <a:rPr lang="zh-CN" altLang="en-US" sz="4800" b="1" dirty="0">
-                <a:solidFill>
-                  <a:srgbClr val="002060"/>
+              <a:t>我乃屬耶穌  我認主恩愛</a:t>
+            </a:r>
+          </a:p>
+          <a:p>
+            <a:pPr marL="0" indent="0" algn="ctr">
+              <a:buNone/>
+            </a:pPr>
+            <a:r>
+              <a:rPr lang="zh-TW" altLang="en-US" sz="6400" b="1" dirty="0">
+                <a:solidFill>
+                  <a:srgbClr val="660033"/>
                 </a:solidFill>
                 <a:latin typeface="Microsoft JhengHei" panose="020B0604030504040204" pitchFamily="34" charset="-120"/>
                 <a:ea typeface="Microsoft JhengHei" panose="020B0604030504040204" pitchFamily="34" charset="-120"/>
               </a:rPr>
-              <a:t>我屬乎主</a:t>
-            </a:r>
-            <a:r>
-              <a:rPr lang="en-US" altLang="zh-CN" sz="4800" b="1" dirty="0">
-                <a:solidFill>
-                  <a:srgbClr val="002060"/>
-                </a:solidFill>
-                <a:latin typeface="Microsoft JhengHei" panose="020B0604030504040204" pitchFamily="34" charset="-120"/>
-                <a:ea typeface="Microsoft JhengHei" panose="020B0604030504040204" pitchFamily="34" charset="-120"/>
-              </a:rPr>
-              <a:t>】</a:t>
-            </a:r>
-          </a:p>
-        </p:txBody>
-      </p:sp>
-      <p:sp>
-        <p:nvSpPr>
-          <p:cNvPr id="5" name="Content Placeholder 4"/>
-          <p:cNvSpPr>
-            <a:spLocks noGrp="1"/>
-          </p:cNvSpPr>
-          <p:nvPr>
-            <p:ph idx="1"/>
-          </p:nvPr>
-        </p:nvSpPr>
-        <p:spPr/>
-        <p:txBody>
-          <a:bodyPr>
-            <a:normAutofit/>
-          </a:bodyPr>
-          <a:lstStyle/>
-          <a:p>
-            <a:pPr marL="0" indent="0" algn="ctr">
-              <a:buNone/>
-            </a:pPr>
-            <a:r>
-              <a:rPr lang="zh-TW" altLang="en-US" sz="5400" b="1" dirty="0">
-                <a:solidFill>
-                  <a:srgbClr val="002060"/>
-                </a:solidFill>
-                <a:latin typeface="Microsoft JhengHei" panose="020B0604030504040204" pitchFamily="34" charset="-120"/>
-                <a:ea typeface="Microsoft JhengHei" panose="020B0604030504040204" pitchFamily="34" charset="-120"/>
-              </a:rPr>
-              <a:t>親之近</a:t>
-            </a:r>
-            <a:r>
-              <a:rPr lang="zh-TW" altLang="en-US" sz="5400" b="1" dirty="0">
-                <a:solidFill>
-                  <a:srgbClr val="002060"/>
-                </a:solidFill>
-                <a:latin typeface="Microsoft JhengHei" panose="020B0604030504040204" pitchFamily="34" charset="-120"/>
-                <a:ea typeface="Microsoft JhengHei" panose="020B0604030504040204" pitchFamily="34" charset="-120"/>
-              </a:rPr>
-              <a:t>之  日</a:t>
-            </a:r>
-            <a:r>
-              <a:rPr lang="zh-TW" altLang="en-US" sz="5400" b="1" dirty="0">
-                <a:solidFill>
-                  <a:srgbClr val="002060"/>
-                </a:solidFill>
-                <a:latin typeface="Microsoft JhengHei" panose="020B0604030504040204" pitchFamily="34" charset="-120"/>
-                <a:ea typeface="Microsoft JhengHei" panose="020B0604030504040204" pitchFamily="34" charset="-120"/>
-              </a:rPr>
-              <a:t>日近乎主</a:t>
-            </a:r>
-          </a:p>
-          <a:p>
-            <a:pPr marL="0" indent="0" algn="ctr">
-              <a:buNone/>
-            </a:pPr>
-            <a:r>
-              <a:rPr lang="zh-TW" altLang="en-US" sz="5400" b="1" dirty="0">
-                <a:solidFill>
-                  <a:srgbClr val="002060"/>
-                </a:solidFill>
-                <a:latin typeface="Microsoft JhengHei" panose="020B0604030504040204" pitchFamily="34" charset="-120"/>
-                <a:ea typeface="Microsoft JhengHei" panose="020B0604030504040204" pitchFamily="34" charset="-120"/>
-              </a:rPr>
-              <a:t>來到主受死聖</a:t>
-            </a:r>
-            <a:r>
-              <a:rPr lang="zh-TW" altLang="en-US" sz="5400" b="1" dirty="0">
-                <a:solidFill>
-                  <a:srgbClr val="002060"/>
-                </a:solidFill>
-                <a:latin typeface="Microsoft JhengHei" panose="020B0604030504040204" pitchFamily="34" charset="-120"/>
-                <a:ea typeface="Microsoft JhengHei" panose="020B0604030504040204" pitchFamily="34" charset="-120"/>
-              </a:rPr>
-              <a:t>架</a:t>
-            </a:r>
-            <a:endParaRPr lang="en-US" altLang="zh-TW" sz="5400" b="1" dirty="0">
+              <a:t>恩奇美正合我心</a:t>
+            </a:r>
+            <a:endParaRPr lang="en-US" altLang="zh-TW" sz="6400" b="1" dirty="0">
               <a:solidFill>
-                <a:srgbClr val="002060"/>
+                <a:srgbClr val="660033"/>
               </a:solidFill>
               <a:latin typeface="Microsoft JhengHei" panose="020B0604030504040204" pitchFamily="34" charset="-120"/>
               <a:ea typeface="Microsoft JhengHei" panose="020B0604030504040204" pitchFamily="34" charset="-120"/>
             </a:endParaRPr>
           </a:p>
-          <a:p>
-            <a:pPr marL="0" indent="0" algn="ctr">
-              <a:buNone/>
-            </a:pPr>
-            <a:r>
-              <a:rPr lang="zh-TW" altLang="en-US" sz="5400" b="1" dirty="0">
-                <a:solidFill>
-                  <a:srgbClr val="002060"/>
-                </a:solidFill>
-                <a:latin typeface="Microsoft JhengHei" panose="020B0604030504040204" pitchFamily="34" charset="-120"/>
-                <a:ea typeface="Microsoft JhengHei" panose="020B0604030504040204" pitchFamily="34" charset="-120"/>
+        </p:txBody>
+      </p:sp>
+      <p:sp>
+        <p:nvSpPr>
+          <p:cNvPr id="3" name="TextBox 2"/>
+          <p:cNvSpPr txBox="1"/>
+          <p:nvPr/>
+        </p:nvSpPr>
+        <p:spPr>
+          <a:xfrm>
+            <a:off x="431371" y="2180862"/>
+            <a:ext cx="1248139" cy="1200329"/>
+          </a:xfrm>
+          <a:prstGeom prst="rect">
+            <a:avLst/>
+          </a:prstGeom>
+          <a:noFill/>
+        </p:spPr>
+        <p:txBody>
+          <a:bodyPr wrap="square" rtlCol="0">
+            <a:spAutoFit/>
+          </a:bodyPr>
+          <a:lstStyle/>
+          <a:p>
+            <a:r>
+              <a:rPr lang="en-US" sz="7200" b="1" dirty="0">
+                <a:solidFill>
+                  <a:srgbClr val="660033"/>
+                </a:solidFill>
               </a:rPr>
-              <a:t>親之近之   近</a:t>
-            </a:r>
-            <a:r>
-              <a:rPr lang="zh-TW" altLang="en-US" sz="5400" b="1" dirty="0">
-                <a:solidFill>
-                  <a:srgbClr val="002060"/>
-                </a:solidFill>
-                <a:latin typeface="Microsoft JhengHei" panose="020B0604030504040204" pitchFamily="34" charset="-120"/>
-                <a:ea typeface="Microsoft JhengHei" panose="020B0604030504040204" pitchFamily="34" charset="-120"/>
-              </a:rPr>
-              <a:t>之  日</a:t>
-            </a:r>
-            <a:r>
-              <a:rPr lang="zh-TW" altLang="en-US" sz="5400" b="1" dirty="0">
-                <a:solidFill>
-                  <a:srgbClr val="002060"/>
-                </a:solidFill>
-                <a:latin typeface="Microsoft JhengHei" panose="020B0604030504040204" pitchFamily="34" charset="-120"/>
-                <a:ea typeface="Microsoft JhengHei" panose="020B0604030504040204" pitchFamily="34" charset="-120"/>
-              </a:rPr>
-              <a:t>日近乎主</a:t>
-            </a:r>
-          </a:p>
-          <a:p>
-            <a:pPr marL="0" indent="0" algn="ctr">
-              <a:buNone/>
-            </a:pPr>
-            <a:r>
-              <a:rPr lang="zh-TW" altLang="en-US" sz="5400" b="1" dirty="0">
-                <a:solidFill>
-                  <a:srgbClr val="002060"/>
-                </a:solidFill>
-                <a:latin typeface="Microsoft JhengHei" panose="020B0604030504040204" pitchFamily="34" charset="-120"/>
-                <a:ea typeface="Microsoft JhengHei" panose="020B0604030504040204" pitchFamily="34" charset="-120"/>
-              </a:rPr>
-              <a:t>到流血寶身之</a:t>
-            </a:r>
-            <a:r>
-              <a:rPr lang="zh-TW" altLang="en-US" sz="5400" b="1" dirty="0">
-                <a:solidFill>
-                  <a:srgbClr val="002060"/>
-                </a:solidFill>
-                <a:latin typeface="Microsoft JhengHei" panose="020B0604030504040204" pitchFamily="34" charset="-120"/>
-                <a:ea typeface="Microsoft JhengHei" panose="020B0604030504040204" pitchFamily="34" charset="-120"/>
-              </a:rPr>
-              <a:t>下</a:t>
-            </a:r>
-            <a:endParaRPr lang="zh-TW" altLang="en-US" sz="5400" b="1" dirty="0">
+              <a:t>1.</a:t>
+            </a:r>
+            <a:endParaRPr lang="vi-VN" sz="7200" b="1" dirty="0">
               <a:solidFill>
-                <a:srgbClr val="002060"/>
+                <a:srgbClr val="660033"/>
               </a:solidFill>
-              <a:latin typeface="Microsoft JhengHei" panose="020B0604030504040204" pitchFamily="34" charset="-120"/>
-              <a:ea typeface="Microsoft JhengHei" panose="020B0604030504040204" pitchFamily="34" charset="-120"/>
             </a:endParaRPr>
           </a:p>
         </p:txBody>
@@ -4197,13 +4973,20 @@
     </p:spTree>
     <p:extLst>
       <p:ext uri="{BB962C8B-B14F-4D97-AF65-F5344CB8AC3E}">
-        <p14:creationId xmlns:p14="http://schemas.microsoft.com/office/powerpoint/2010/main" val="3587798455"/>
+        <p14:creationId xmlns:p14="http://schemas.microsoft.com/office/powerpoint/2010/main" val="557297858"/>
       </p:ext>
     </p:extLst>
   </p:cSld>
   <p:clrMapOvr>
     <a:masterClrMapping/>
   </p:clrMapOvr>
+  <p:timing>
+    <p:tnLst>
+      <p:par>
+        <p:cTn id="1" dur="indefinite" restart="never" nodeType="tmRoot"/>
+      </p:par>
+    </p:tnLst>
+  </p:timing>
 </p:sld>
 </file>
 
@@ -4226,252 +5009,97 @@
       </p:grpSpPr>
       <p:sp>
         <p:nvSpPr>
-          <p:cNvPr id="4" name="Title 3"/>
-          <p:cNvSpPr>
-            <a:spLocks noGrp="1"/>
-          </p:cNvSpPr>
-          <p:nvPr>
-            <p:ph type="title"/>
-          </p:nvPr>
-        </p:nvSpPr>
-        <p:spPr/>
-        <p:txBody>
-          <a:bodyPr>
+          <p:cNvPr id="5" name="內容版面配置區 4"/>
+          <p:cNvSpPr>
+            <a:spLocks noGrp="1"/>
+          </p:cNvSpPr>
+          <p:nvPr>
+            <p:ph idx="1"/>
+          </p:nvPr>
+        </p:nvSpPr>
+        <p:spPr>
+          <a:xfrm>
+            <a:off x="0" y="2084851"/>
+            <a:ext cx="12192000" cy="2404863"/>
+          </a:xfrm>
+        </p:spPr>
+        <p:txBody>
+          <a:bodyPr anchor="ctr">
             <a:normAutofit/>
           </a:bodyPr>
           <a:lstStyle/>
           <a:p>
-            <a:r>
-              <a:rPr lang="en-US" altLang="zh-CN" sz="4800" b="1" dirty="0">
-                <a:solidFill>
-                  <a:srgbClr val="002060"/>
+            <a:pPr marL="0" indent="0" algn="ctr">
+              <a:buNone/>
+            </a:pPr>
+            <a:r>
+              <a:rPr lang="zh-TW" altLang="en-US" sz="6400" b="1" dirty="0">
+                <a:solidFill>
+                  <a:srgbClr val="660033"/>
                 </a:solidFill>
                 <a:latin typeface="Microsoft JhengHei" panose="020B0604030504040204" pitchFamily="34" charset="-120"/>
                 <a:ea typeface="Microsoft JhengHei" panose="020B0604030504040204" pitchFamily="34" charset="-120"/>
               </a:rPr>
-              <a:t>【</a:t>
-            </a:r>
-            <a:r>
-              <a:rPr lang="zh-CN" altLang="en-US" sz="4800" b="1" dirty="0">
-                <a:solidFill>
-                  <a:srgbClr val="002060"/>
+              <a:t>今求賜大信  走天路飛快</a:t>
+            </a:r>
+          </a:p>
+          <a:p>
+            <a:pPr marL="0" indent="0" algn="ctr">
+              <a:buNone/>
+            </a:pPr>
+            <a:r>
+              <a:rPr lang="zh-TW" altLang="en-US" sz="6400" b="1" dirty="0">
+                <a:solidFill>
+                  <a:srgbClr val="660033"/>
                 </a:solidFill>
                 <a:latin typeface="Microsoft JhengHei" panose="020B0604030504040204" pitchFamily="34" charset="-120"/>
                 <a:ea typeface="Microsoft JhengHei" panose="020B0604030504040204" pitchFamily="34" charset="-120"/>
               </a:rPr>
-              <a:t>我屬乎主</a:t>
-            </a:r>
-            <a:r>
-              <a:rPr lang="en-US" altLang="zh-CN" sz="4800" b="1" dirty="0">
-                <a:solidFill>
-                  <a:srgbClr val="002060"/>
-                </a:solidFill>
-                <a:latin typeface="Microsoft JhengHei" panose="020B0604030504040204" pitchFamily="34" charset="-120"/>
-                <a:ea typeface="Microsoft JhengHei" panose="020B0604030504040204" pitchFamily="34" charset="-120"/>
-              </a:rPr>
-              <a:t>】</a:t>
-            </a:r>
-          </a:p>
-        </p:txBody>
-      </p:sp>
-      <p:sp>
-        <p:nvSpPr>
-          <p:cNvPr id="5" name="Content Placeholder 4"/>
-          <p:cNvSpPr>
-            <a:spLocks noGrp="1"/>
-          </p:cNvSpPr>
-          <p:nvPr>
-            <p:ph idx="1"/>
-          </p:nvPr>
-        </p:nvSpPr>
-        <p:spPr/>
-        <p:txBody>
-          <a:bodyPr>
-            <a:normAutofit/>
-          </a:bodyPr>
-          <a:lstStyle/>
-          <a:p>
-            <a:pPr marL="0" indent="0" algn="ctr">
-              <a:buNone/>
-            </a:pPr>
-            <a:r>
-              <a:rPr lang="zh-TW" altLang="en-US" sz="5400" b="1" dirty="0">
-                <a:solidFill>
-                  <a:srgbClr val="002060"/>
-                </a:solidFill>
-                <a:latin typeface="Microsoft JhengHei" panose="020B0604030504040204" pitchFamily="34" charset="-120"/>
-                <a:ea typeface="Microsoft JhengHei" panose="020B0604030504040204" pitchFamily="34" charset="-120"/>
-              </a:rPr>
-              <a:t>今歸主為</a:t>
-            </a:r>
-            <a:r>
-              <a:rPr lang="zh-TW" altLang="en-US" sz="5400" b="1" dirty="0">
-                <a:solidFill>
-                  <a:srgbClr val="002060"/>
-                </a:solidFill>
-                <a:latin typeface="Microsoft JhengHei" panose="020B0604030504040204" pitchFamily="34" charset="-120"/>
-                <a:ea typeface="Microsoft JhengHei" panose="020B0604030504040204" pitchFamily="34" charset="-120"/>
-              </a:rPr>
-              <a:t>聖  專</a:t>
-            </a:r>
-            <a:r>
-              <a:rPr lang="zh-TW" altLang="en-US" sz="5400" b="1" dirty="0">
-                <a:solidFill>
-                  <a:srgbClr val="002060"/>
-                </a:solidFill>
-                <a:latin typeface="Microsoft JhengHei" panose="020B0604030504040204" pitchFamily="34" charset="-120"/>
-                <a:ea typeface="Microsoft JhengHei" panose="020B0604030504040204" pitchFamily="34" charset="-120"/>
-              </a:rPr>
-              <a:t>為主所用</a:t>
-            </a:r>
-          </a:p>
-          <a:p>
-            <a:pPr marL="0" indent="0" algn="ctr">
-              <a:buNone/>
-            </a:pPr>
-            <a:r>
-              <a:rPr lang="zh-TW" altLang="en-US" sz="5400" b="1" dirty="0">
-                <a:solidFill>
-                  <a:srgbClr val="002060"/>
-                </a:solidFill>
-                <a:latin typeface="Microsoft JhengHei" panose="020B0604030504040204" pitchFamily="34" charset="-120"/>
-                <a:ea typeface="Microsoft JhengHei" panose="020B0604030504040204" pitchFamily="34" charset="-120"/>
-              </a:rPr>
-              <a:t>望日蒙新賜天</a:t>
-            </a:r>
-            <a:r>
-              <a:rPr lang="zh-TW" altLang="en-US" sz="5400" b="1" dirty="0">
-                <a:solidFill>
-                  <a:srgbClr val="002060"/>
-                </a:solidFill>
-                <a:latin typeface="Microsoft JhengHei" panose="020B0604030504040204" pitchFamily="34" charset="-120"/>
-                <a:ea typeface="Microsoft JhengHei" panose="020B0604030504040204" pitchFamily="34" charset="-120"/>
-              </a:rPr>
-              <a:t>恩</a:t>
-            </a:r>
-            <a:endParaRPr lang="en-US" altLang="zh-TW" sz="5400" b="1" dirty="0">
+              <a:t>常與主相近相親</a:t>
+            </a:r>
+            <a:endParaRPr lang="zh-TW" altLang="en-US" sz="6400" b="1" dirty="0">
               <a:solidFill>
-                <a:srgbClr val="002060"/>
+                <a:srgbClr val="660033"/>
               </a:solidFill>
               <a:latin typeface="Microsoft JhengHei" panose="020B0604030504040204" pitchFamily="34" charset="-120"/>
               <a:ea typeface="Microsoft JhengHei" panose="020B0604030504040204" pitchFamily="34" charset="-120"/>
             </a:endParaRPr>
           </a:p>
-          <a:p>
-            <a:pPr marL="0" indent="0" algn="ctr">
-              <a:buNone/>
-            </a:pPr>
-            <a:r>
-              <a:rPr lang="zh-TW" altLang="en-US" sz="5400" b="1" dirty="0">
-                <a:solidFill>
-                  <a:srgbClr val="002060"/>
-                </a:solidFill>
-                <a:latin typeface="Microsoft JhengHei" panose="020B0604030504040204" pitchFamily="34" charset="-120"/>
-                <a:ea typeface="Microsoft JhengHei" panose="020B0604030504040204" pitchFamily="34" charset="-120"/>
-              </a:rPr>
-              <a:t>信望愛日</a:t>
-            </a:r>
-            <a:r>
-              <a:rPr lang="zh-TW" altLang="en-US" sz="5400" b="1" dirty="0">
-                <a:solidFill>
-                  <a:srgbClr val="002060"/>
-                </a:solidFill>
-                <a:latin typeface="Microsoft JhengHei" panose="020B0604030504040204" pitchFamily="34" charset="-120"/>
-                <a:ea typeface="Microsoft JhengHei" panose="020B0604030504040204" pitchFamily="34" charset="-120"/>
-              </a:rPr>
-              <a:t>增  口</a:t>
-            </a:r>
-            <a:r>
-              <a:rPr lang="zh-TW" altLang="en-US" sz="5400" b="1" dirty="0">
-                <a:solidFill>
-                  <a:srgbClr val="002060"/>
-                </a:solidFill>
-                <a:latin typeface="Microsoft JhengHei" panose="020B0604030504040204" pitchFamily="34" charset="-120"/>
-                <a:ea typeface="Microsoft JhengHei" panose="020B0604030504040204" pitchFamily="34" charset="-120"/>
-              </a:rPr>
-              <a:t>不主稱頌</a:t>
-            </a:r>
-          </a:p>
-          <a:p>
-            <a:pPr marL="0" indent="0" algn="ctr">
-              <a:buNone/>
-            </a:pPr>
-            <a:r>
-              <a:rPr lang="zh-TW" altLang="en-US" sz="5400" b="1" dirty="0">
-                <a:solidFill>
-                  <a:srgbClr val="002060"/>
-                </a:solidFill>
-                <a:latin typeface="Microsoft JhengHei" panose="020B0604030504040204" pitchFamily="34" charset="-120"/>
-                <a:ea typeface="Microsoft JhengHei" panose="020B0604030504040204" pitchFamily="34" charset="-120"/>
-              </a:rPr>
-              <a:t>恆近主潔淨心</a:t>
-            </a:r>
-            <a:r>
-              <a:rPr lang="zh-TW" altLang="en-US" sz="5400" b="1" dirty="0">
-                <a:solidFill>
-                  <a:srgbClr val="002060"/>
-                </a:solidFill>
-                <a:latin typeface="Microsoft JhengHei" panose="020B0604030504040204" pitchFamily="34" charset="-120"/>
-                <a:ea typeface="Microsoft JhengHei" panose="020B0604030504040204" pitchFamily="34" charset="-120"/>
-              </a:rPr>
-              <a:t>身</a:t>
-            </a:r>
-            <a:endParaRPr lang="zh-TW" altLang="en-US" sz="5400" b="1" dirty="0">
-              <a:solidFill>
-                <a:srgbClr val="002060"/>
-              </a:solidFill>
-              <a:latin typeface="Microsoft JhengHei" panose="020B0604030504040204" pitchFamily="34" charset="-120"/>
-              <a:ea typeface="Microsoft JhengHei" panose="020B0604030504040204" pitchFamily="34" charset="-120"/>
-            </a:endParaRPr>
-          </a:p>
-        </p:txBody>
-      </p:sp>
-      <p:sp>
-        <p:nvSpPr>
-          <p:cNvPr id="6" name="Text Box 1"/>
+        </p:txBody>
+      </p:sp>
+      <p:sp>
+        <p:nvSpPr>
+          <p:cNvPr id="3" name="TextBox 2"/>
           <p:cNvSpPr txBox="1"/>
           <p:nvPr/>
         </p:nvSpPr>
         <p:spPr>
           <a:xfrm>
-            <a:off x="609600" y="1700808"/>
-            <a:ext cx="1380490" cy="923330"/>
+            <a:off x="431371" y="2180862"/>
+            <a:ext cx="1248139" cy="1200329"/>
           </a:xfrm>
           <a:prstGeom prst="rect">
             <a:avLst/>
           </a:prstGeom>
           <a:noFill/>
-          <a:ln w="9525">
-            <a:noFill/>
-            <a:miter lim="800000"/>
-          </a:ln>
         </p:spPr>
         <p:txBody>
-          <a:bodyPr wrap="square">
+          <a:bodyPr wrap="square" rtlCol="0">
             <a:spAutoFit/>
           </a:bodyPr>
           <a:lstStyle/>
           <a:p>
-            <a:pPr algn="ctr"/>
-            <a:r>
-              <a:rPr lang="en-US" sz="5400" b="1" dirty="0">
-                <a:solidFill>
-                  <a:srgbClr val="002060"/>
+            <a:r>
+              <a:rPr lang="en-US" sz="7200" b="1" dirty="0">
+                <a:solidFill>
+                  <a:srgbClr val="660033"/>
                 </a:solidFill>
               </a:rPr>
-              <a:t>2</a:t>
-            </a:r>
-            <a:r>
-              <a:rPr lang="en-US" sz="5400" b="1" dirty="0" smtClean="0">
-                <a:solidFill>
-                  <a:srgbClr val="002060"/>
-                </a:solidFill>
-              </a:rPr>
-              <a:t>.</a:t>
-            </a:r>
-            <a:endParaRPr lang="en-US" sz="5400" b="1" dirty="0">
+              <a:t>1.</a:t>
+            </a:r>
+            <a:endParaRPr lang="vi-VN" sz="7200" b="1" dirty="0">
               <a:solidFill>
-                <a:srgbClr val="002060"/>
+                <a:srgbClr val="660033"/>
               </a:solidFill>
             </a:endParaRPr>
           </a:p>
@@ -4480,13 +5108,20 @@
     </p:spTree>
     <p:extLst>
       <p:ext uri="{BB962C8B-B14F-4D97-AF65-F5344CB8AC3E}">
-        <p14:creationId xmlns:p14="http://schemas.microsoft.com/office/powerpoint/2010/main" val="105336758"/>
+        <p14:creationId xmlns:p14="http://schemas.microsoft.com/office/powerpoint/2010/main" val="1231155495"/>
       </p:ext>
     </p:extLst>
   </p:cSld>
   <p:clrMapOvr>
     <a:masterClrMapping/>
   </p:clrMapOvr>
+  <p:timing>
+    <p:tnLst>
+      <p:par>
+        <p:cTn id="1" dur="indefinite" restart="never" nodeType="tmRoot"/>
+      </p:par>
+    </p:tnLst>
+  </p:timing>
 </p:sld>
 </file>
 
@@ -4509,216 +5144,81 @@
       </p:grpSpPr>
       <p:sp>
         <p:nvSpPr>
-          <p:cNvPr id="4" name="Title 3"/>
-          <p:cNvSpPr>
-            <a:spLocks noGrp="1"/>
-          </p:cNvSpPr>
-          <p:nvPr>
-            <p:ph type="title"/>
-          </p:nvPr>
-        </p:nvSpPr>
-        <p:spPr/>
-        <p:txBody>
-          <a:bodyPr>
+          <p:cNvPr id="5" name="內容版面配置區 4"/>
+          <p:cNvSpPr>
+            <a:spLocks noGrp="1"/>
+          </p:cNvSpPr>
+          <p:nvPr>
+            <p:ph idx="1"/>
+          </p:nvPr>
+        </p:nvSpPr>
+        <p:spPr>
+          <a:xfrm>
+            <a:off x="0" y="2084851"/>
+            <a:ext cx="12192000" cy="2404863"/>
+          </a:xfrm>
+        </p:spPr>
+        <p:txBody>
+          <a:bodyPr anchor="ctr">
             <a:normAutofit/>
           </a:bodyPr>
           <a:lstStyle/>
           <a:p>
-            <a:r>
-              <a:rPr lang="en-US" altLang="zh-CN" sz="4800" b="1" dirty="0">
-                <a:solidFill>
-                  <a:srgbClr val="002060"/>
+            <a:pPr marL="0" indent="0" algn="ctr">
+              <a:buNone/>
+            </a:pPr>
+            <a:r>
+              <a:rPr lang="zh-TW" altLang="en-US" sz="6400" b="1" dirty="0">
+                <a:solidFill>
+                  <a:srgbClr val="660033"/>
                 </a:solidFill>
                 <a:latin typeface="Microsoft JhengHei" panose="020B0604030504040204" pitchFamily="34" charset="-120"/>
                 <a:ea typeface="Microsoft JhengHei" panose="020B0604030504040204" pitchFamily="34" charset="-120"/>
               </a:rPr>
-              <a:t>【</a:t>
-            </a:r>
-            <a:r>
-              <a:rPr lang="zh-CN" altLang="en-US" sz="4800" b="1" dirty="0">
-                <a:solidFill>
-                  <a:srgbClr val="002060"/>
+              <a:t>親之近之  日日近乎主</a:t>
+            </a:r>
+          </a:p>
+          <a:p>
+            <a:pPr marL="0" indent="0" algn="ctr">
+              <a:buNone/>
+            </a:pPr>
+            <a:r>
+              <a:rPr lang="zh-TW" altLang="en-US" sz="6400" b="1" dirty="0">
+                <a:solidFill>
+                  <a:srgbClr val="660033"/>
                 </a:solidFill>
                 <a:latin typeface="Microsoft JhengHei" panose="020B0604030504040204" pitchFamily="34" charset="-120"/>
                 <a:ea typeface="Microsoft JhengHei" panose="020B0604030504040204" pitchFamily="34" charset="-120"/>
               </a:rPr>
-              <a:t>我屬乎主</a:t>
-            </a:r>
-            <a:r>
-              <a:rPr lang="en-US" altLang="zh-CN" sz="4800" b="1" dirty="0">
-                <a:solidFill>
-                  <a:srgbClr val="002060"/>
-                </a:solidFill>
-                <a:latin typeface="Microsoft JhengHei" panose="020B0604030504040204" pitchFamily="34" charset="-120"/>
-                <a:ea typeface="Microsoft JhengHei" panose="020B0604030504040204" pitchFamily="34" charset="-120"/>
-              </a:rPr>
-              <a:t>】</a:t>
-            </a:r>
-          </a:p>
-        </p:txBody>
-      </p:sp>
-      <p:sp>
-        <p:nvSpPr>
-          <p:cNvPr id="5" name="Content Placeholder 4"/>
-          <p:cNvSpPr>
-            <a:spLocks noGrp="1"/>
-          </p:cNvSpPr>
-          <p:nvPr>
-            <p:ph idx="1"/>
-          </p:nvPr>
-        </p:nvSpPr>
-        <p:spPr/>
-        <p:txBody>
-          <a:bodyPr>
-            <a:normAutofit/>
-          </a:bodyPr>
-          <a:lstStyle/>
-          <a:p>
-            <a:pPr marL="0" indent="0" algn="ctr">
-              <a:buNone/>
-            </a:pPr>
-            <a:r>
-              <a:rPr lang="zh-TW" altLang="en-US" sz="5400" b="1" dirty="0">
-                <a:solidFill>
-                  <a:srgbClr val="002060"/>
-                </a:solidFill>
-                <a:latin typeface="Microsoft JhengHei" panose="020B0604030504040204" pitchFamily="34" charset="-120"/>
-                <a:ea typeface="Microsoft JhengHei" panose="020B0604030504040204" pitchFamily="34" charset="-120"/>
-              </a:rPr>
-              <a:t>親之近</a:t>
-            </a:r>
-            <a:r>
-              <a:rPr lang="zh-TW" altLang="en-US" sz="5400" b="1" dirty="0">
-                <a:solidFill>
-                  <a:srgbClr val="002060"/>
-                </a:solidFill>
-                <a:latin typeface="Microsoft JhengHei" panose="020B0604030504040204" pitchFamily="34" charset="-120"/>
-                <a:ea typeface="Microsoft JhengHei" panose="020B0604030504040204" pitchFamily="34" charset="-120"/>
-              </a:rPr>
-              <a:t>之  日</a:t>
-            </a:r>
-            <a:r>
-              <a:rPr lang="zh-TW" altLang="en-US" sz="5400" b="1" dirty="0">
-                <a:solidFill>
-                  <a:srgbClr val="002060"/>
-                </a:solidFill>
-                <a:latin typeface="Microsoft JhengHei" panose="020B0604030504040204" pitchFamily="34" charset="-120"/>
-                <a:ea typeface="Microsoft JhengHei" panose="020B0604030504040204" pitchFamily="34" charset="-120"/>
-              </a:rPr>
-              <a:t>日近乎主</a:t>
-            </a:r>
-          </a:p>
-          <a:p>
-            <a:pPr marL="0" indent="0" algn="ctr">
-              <a:buNone/>
-            </a:pPr>
-            <a:r>
-              <a:rPr lang="zh-TW" altLang="en-US" sz="5400" b="1" dirty="0">
-                <a:solidFill>
-                  <a:srgbClr val="002060"/>
-                </a:solidFill>
-                <a:latin typeface="Microsoft JhengHei" panose="020B0604030504040204" pitchFamily="34" charset="-120"/>
-                <a:ea typeface="Microsoft JhengHei" panose="020B0604030504040204" pitchFamily="34" charset="-120"/>
-              </a:rPr>
-              <a:t>來到主受死聖</a:t>
-            </a:r>
-            <a:r>
-              <a:rPr lang="zh-TW" altLang="en-US" sz="5400" b="1" dirty="0">
-                <a:solidFill>
-                  <a:srgbClr val="002060"/>
-                </a:solidFill>
-                <a:latin typeface="Microsoft JhengHei" panose="020B0604030504040204" pitchFamily="34" charset="-120"/>
-                <a:ea typeface="Microsoft JhengHei" panose="020B0604030504040204" pitchFamily="34" charset="-120"/>
-              </a:rPr>
-              <a:t>架</a:t>
-            </a:r>
-            <a:endParaRPr lang="en-US" altLang="zh-TW" sz="5400" b="1" dirty="0">
+              <a:t>來到主受死聖架</a:t>
+            </a:r>
+            <a:endParaRPr lang="en-US" altLang="zh-TW" sz="6400" b="1" dirty="0">
               <a:solidFill>
-                <a:srgbClr val="002060"/>
+                <a:srgbClr val="660033"/>
               </a:solidFill>
               <a:latin typeface="Microsoft JhengHei" panose="020B0604030504040204" pitchFamily="34" charset="-120"/>
               <a:ea typeface="Microsoft JhengHei" panose="020B0604030504040204" pitchFamily="34" charset="-120"/>
             </a:endParaRPr>
           </a:p>
-          <a:p>
-            <a:pPr marL="0" indent="0" algn="ctr">
-              <a:buNone/>
-            </a:pPr>
-            <a:r>
-              <a:rPr lang="zh-TW" altLang="en-US" sz="5400" b="1" dirty="0">
-                <a:solidFill>
-                  <a:srgbClr val="002060"/>
-                </a:solidFill>
-                <a:latin typeface="Microsoft JhengHei" panose="020B0604030504040204" pitchFamily="34" charset="-120"/>
-                <a:ea typeface="Microsoft JhengHei" panose="020B0604030504040204" pitchFamily="34" charset="-120"/>
-              </a:rPr>
-              <a:t>親之近之   近</a:t>
-            </a:r>
-            <a:r>
-              <a:rPr lang="zh-TW" altLang="en-US" sz="5400" b="1" dirty="0">
-                <a:solidFill>
-                  <a:srgbClr val="002060"/>
-                </a:solidFill>
-                <a:latin typeface="Microsoft JhengHei" panose="020B0604030504040204" pitchFamily="34" charset="-120"/>
-                <a:ea typeface="Microsoft JhengHei" panose="020B0604030504040204" pitchFamily="34" charset="-120"/>
-              </a:rPr>
-              <a:t>之  日</a:t>
-            </a:r>
-            <a:r>
-              <a:rPr lang="zh-TW" altLang="en-US" sz="5400" b="1" dirty="0">
-                <a:solidFill>
-                  <a:srgbClr val="002060"/>
-                </a:solidFill>
-                <a:latin typeface="Microsoft JhengHei" panose="020B0604030504040204" pitchFamily="34" charset="-120"/>
-                <a:ea typeface="Microsoft JhengHei" panose="020B0604030504040204" pitchFamily="34" charset="-120"/>
-              </a:rPr>
-              <a:t>日近乎主</a:t>
-            </a:r>
-          </a:p>
-          <a:p>
-            <a:pPr marL="0" indent="0" algn="ctr">
-              <a:buNone/>
-            </a:pPr>
-            <a:r>
-              <a:rPr lang="zh-TW" altLang="en-US" sz="5400" b="1" dirty="0">
-                <a:solidFill>
-                  <a:srgbClr val="002060"/>
-                </a:solidFill>
-                <a:latin typeface="Microsoft JhengHei" panose="020B0604030504040204" pitchFamily="34" charset="-120"/>
-                <a:ea typeface="Microsoft JhengHei" panose="020B0604030504040204" pitchFamily="34" charset="-120"/>
-              </a:rPr>
-              <a:t>到流血寶身之</a:t>
-            </a:r>
-            <a:r>
-              <a:rPr lang="zh-TW" altLang="en-US" sz="5400" b="1" dirty="0">
-                <a:solidFill>
-                  <a:srgbClr val="002060"/>
-                </a:solidFill>
-                <a:latin typeface="Microsoft JhengHei" panose="020B0604030504040204" pitchFamily="34" charset="-120"/>
-                <a:ea typeface="Microsoft JhengHei" panose="020B0604030504040204" pitchFamily="34" charset="-120"/>
-              </a:rPr>
-              <a:t>下</a:t>
-            </a:r>
-            <a:endParaRPr lang="zh-TW" altLang="en-US" sz="5400" b="1" dirty="0">
-              <a:solidFill>
-                <a:srgbClr val="002060"/>
-              </a:solidFill>
-              <a:latin typeface="Microsoft JhengHei" panose="020B0604030504040204" pitchFamily="34" charset="-120"/>
-              <a:ea typeface="Microsoft JhengHei" panose="020B0604030504040204" pitchFamily="34" charset="-120"/>
-            </a:endParaRPr>
-          </a:p>
         </p:txBody>
       </p:sp>
     </p:spTree>
     <p:extLst>
       <p:ext uri="{BB962C8B-B14F-4D97-AF65-F5344CB8AC3E}">
-        <p14:creationId xmlns:p14="http://schemas.microsoft.com/office/powerpoint/2010/main" val="4202851049"/>
+        <p14:creationId xmlns:p14="http://schemas.microsoft.com/office/powerpoint/2010/main" val="1933996104"/>
       </p:ext>
     </p:extLst>
   </p:cSld>
   <p:clrMapOvr>
     <a:masterClrMapping/>
   </p:clrMapOvr>
+  <p:timing>
+    <p:tnLst>
+      <p:par>
+        <p:cTn id="1" dur="indefinite" restart="never" nodeType="tmRoot"/>
+      </p:par>
+    </p:tnLst>
+  </p:timing>
 </p:sld>
 </file>
 
@@ -4741,267 +5241,81 @@
       </p:grpSpPr>
       <p:sp>
         <p:nvSpPr>
-          <p:cNvPr id="4" name="Title 3"/>
-          <p:cNvSpPr>
-            <a:spLocks noGrp="1"/>
-          </p:cNvSpPr>
-          <p:nvPr>
-            <p:ph type="title"/>
-          </p:nvPr>
-        </p:nvSpPr>
-        <p:spPr/>
-        <p:txBody>
-          <a:bodyPr>
+          <p:cNvPr id="5" name="內容版面配置區 4"/>
+          <p:cNvSpPr>
+            <a:spLocks noGrp="1"/>
+          </p:cNvSpPr>
+          <p:nvPr>
+            <p:ph idx="1"/>
+          </p:nvPr>
+        </p:nvSpPr>
+        <p:spPr>
+          <a:xfrm>
+            <a:off x="0" y="2084851"/>
+            <a:ext cx="12192000" cy="2404863"/>
+          </a:xfrm>
+        </p:spPr>
+        <p:txBody>
+          <a:bodyPr anchor="ctr">
             <a:normAutofit/>
           </a:bodyPr>
           <a:lstStyle/>
           <a:p>
-            <a:r>
-              <a:rPr lang="en-US" altLang="zh-CN" sz="4800" b="1" dirty="0">
-                <a:solidFill>
-                  <a:srgbClr val="002060"/>
+            <a:pPr marL="0" indent="0" algn="ctr">
+              <a:buNone/>
+            </a:pPr>
+            <a:r>
+              <a:rPr lang="zh-TW" altLang="en-US" sz="6400" b="1" dirty="0">
+                <a:solidFill>
+                  <a:srgbClr val="660033"/>
                 </a:solidFill>
                 <a:latin typeface="Microsoft JhengHei" panose="020B0604030504040204" pitchFamily="34" charset="-120"/>
                 <a:ea typeface="Microsoft JhengHei" panose="020B0604030504040204" pitchFamily="34" charset="-120"/>
               </a:rPr>
-              <a:t>【</a:t>
-            </a:r>
-            <a:r>
-              <a:rPr lang="zh-CN" altLang="en-US" sz="4800" b="1" dirty="0">
-                <a:solidFill>
-                  <a:srgbClr val="002060"/>
+              <a:t>親之近之  近之  日日近乎主</a:t>
+            </a:r>
+          </a:p>
+          <a:p>
+            <a:pPr marL="0" indent="0" algn="ctr">
+              <a:buNone/>
+            </a:pPr>
+            <a:r>
+              <a:rPr lang="zh-TW" altLang="en-US" sz="6400" b="1" dirty="0">
+                <a:solidFill>
+                  <a:srgbClr val="660033"/>
                 </a:solidFill>
                 <a:latin typeface="Microsoft JhengHei" panose="020B0604030504040204" pitchFamily="34" charset="-120"/>
                 <a:ea typeface="Microsoft JhengHei" panose="020B0604030504040204" pitchFamily="34" charset="-120"/>
               </a:rPr>
-              <a:t>我屬乎主</a:t>
-            </a:r>
-            <a:r>
-              <a:rPr lang="en-US" altLang="zh-CN" sz="4800" b="1" dirty="0">
-                <a:solidFill>
-                  <a:srgbClr val="002060"/>
-                </a:solidFill>
-                <a:latin typeface="Microsoft JhengHei" panose="020B0604030504040204" pitchFamily="34" charset="-120"/>
-                <a:ea typeface="Microsoft JhengHei" panose="020B0604030504040204" pitchFamily="34" charset="-120"/>
-              </a:rPr>
-              <a:t>】</a:t>
-            </a:r>
-          </a:p>
-        </p:txBody>
-      </p:sp>
-      <p:sp>
-        <p:nvSpPr>
-          <p:cNvPr id="5" name="Content Placeholder 4"/>
-          <p:cNvSpPr>
-            <a:spLocks noGrp="1"/>
-          </p:cNvSpPr>
-          <p:nvPr>
-            <p:ph idx="1"/>
-          </p:nvPr>
-        </p:nvSpPr>
-        <p:spPr/>
-        <p:txBody>
-          <a:bodyPr>
-            <a:normAutofit/>
-          </a:bodyPr>
-          <a:lstStyle/>
-          <a:p>
-            <a:pPr marL="0" indent="0" algn="ctr">
-              <a:buNone/>
-            </a:pPr>
-            <a:r>
-              <a:rPr lang="zh-TW" altLang="en-US" sz="5400" b="1" dirty="0">
-                <a:solidFill>
-                  <a:srgbClr val="002060"/>
-                </a:solidFill>
-                <a:latin typeface="Microsoft JhengHei" panose="020B0604030504040204" pitchFamily="34" charset="-120"/>
-                <a:ea typeface="Microsoft JhengHei" panose="020B0604030504040204" pitchFamily="34" charset="-120"/>
-              </a:rPr>
-              <a:t>恩座前祈</a:t>
-            </a:r>
-            <a:r>
-              <a:rPr lang="zh-TW" altLang="en-US" sz="5400" b="1" dirty="0">
-                <a:solidFill>
-                  <a:srgbClr val="002060"/>
-                </a:solidFill>
-                <a:latin typeface="Microsoft JhengHei" panose="020B0604030504040204" pitchFamily="34" charset="-120"/>
-                <a:ea typeface="Microsoft JhengHei" panose="020B0604030504040204" pitchFamily="34" charset="-120"/>
-              </a:rPr>
-              <a:t>禱  與</a:t>
-            </a:r>
-            <a:r>
-              <a:rPr lang="zh-TW" altLang="en-US" sz="5400" b="1" dirty="0">
-                <a:solidFill>
-                  <a:srgbClr val="002060"/>
-                </a:solidFill>
-                <a:latin typeface="Microsoft JhengHei" panose="020B0604030504040204" pitchFamily="34" charset="-120"/>
-                <a:ea typeface="Microsoft JhengHei" panose="020B0604030504040204" pitchFamily="34" charset="-120"/>
-              </a:rPr>
-              <a:t>我主親近</a:t>
-            </a:r>
-          </a:p>
-          <a:p>
-            <a:pPr marL="0" indent="0" algn="ctr">
-              <a:buNone/>
-            </a:pPr>
-            <a:r>
-              <a:rPr lang="zh-TW" altLang="en-US" sz="5400" b="1" dirty="0">
-                <a:solidFill>
-                  <a:srgbClr val="002060"/>
-                </a:solidFill>
-                <a:latin typeface="Microsoft JhengHei" panose="020B0604030504040204" pitchFamily="34" charset="-120"/>
-                <a:ea typeface="Microsoft JhengHei" panose="020B0604030504040204" pitchFamily="34" charset="-120"/>
-              </a:rPr>
-              <a:t>似良友親密相</a:t>
-            </a:r>
-            <a:r>
-              <a:rPr lang="zh-TW" altLang="en-US" sz="5400" b="1" dirty="0">
-                <a:solidFill>
-                  <a:srgbClr val="002060"/>
-                </a:solidFill>
-                <a:latin typeface="Microsoft JhengHei" panose="020B0604030504040204" pitchFamily="34" charset="-120"/>
-                <a:ea typeface="Microsoft JhengHei" panose="020B0604030504040204" pitchFamily="34" charset="-120"/>
-              </a:rPr>
-              <a:t>交</a:t>
-            </a:r>
-            <a:endParaRPr lang="en-US" altLang="zh-TW" sz="5400" b="1" dirty="0">
+              <a:t>到流血寶身之下</a:t>
+            </a:r>
+            <a:endParaRPr lang="zh-TW" altLang="en-US" sz="6400" b="1" dirty="0">
               <a:solidFill>
-                <a:srgbClr val="002060"/>
+                <a:srgbClr val="660033"/>
               </a:solidFill>
               <a:latin typeface="Microsoft JhengHei" panose="020B0604030504040204" pitchFamily="34" charset="-120"/>
               <a:ea typeface="Microsoft JhengHei" panose="020B0604030504040204" pitchFamily="34" charset="-120"/>
             </a:endParaRPr>
           </a:p>
-          <a:p>
-            <a:pPr marL="0" indent="0" algn="ctr">
-              <a:buNone/>
-            </a:pPr>
-            <a:r>
-              <a:rPr lang="zh-TW" altLang="en-US" sz="5400" b="1" dirty="0">
-                <a:solidFill>
-                  <a:srgbClr val="002060"/>
-                </a:solidFill>
-                <a:latin typeface="Microsoft JhengHei" panose="020B0604030504040204" pitchFamily="34" charset="-120"/>
-                <a:ea typeface="Microsoft JhengHei" panose="020B0604030504040204" pitchFamily="34" charset="-120"/>
-              </a:rPr>
-              <a:t>心喜樂難</a:t>
-            </a:r>
-            <a:r>
-              <a:rPr lang="zh-TW" altLang="en-US" sz="5400" b="1" dirty="0">
-                <a:solidFill>
-                  <a:srgbClr val="002060"/>
-                </a:solidFill>
-                <a:latin typeface="Microsoft JhengHei" panose="020B0604030504040204" pitchFamily="34" charset="-120"/>
-                <a:ea typeface="Microsoft JhengHei" panose="020B0604030504040204" pitchFamily="34" charset="-120"/>
-              </a:rPr>
-              <a:t>言  真</a:t>
-            </a:r>
-            <a:r>
-              <a:rPr lang="zh-TW" altLang="en-US" sz="5400" b="1" dirty="0">
-                <a:solidFill>
-                  <a:srgbClr val="002060"/>
-                </a:solidFill>
-                <a:latin typeface="Microsoft JhengHei" panose="020B0604030504040204" pitchFamily="34" charset="-120"/>
-                <a:ea typeface="Microsoft JhengHei" panose="020B0604030504040204" pitchFamily="34" charset="-120"/>
-              </a:rPr>
-              <a:t>得福無盡</a:t>
-            </a:r>
-          </a:p>
-          <a:p>
-            <a:pPr marL="0" indent="0" algn="ctr">
-              <a:buNone/>
-            </a:pPr>
-            <a:r>
-              <a:rPr lang="zh-TW" altLang="en-US" sz="5400" b="1" dirty="0">
-                <a:solidFill>
-                  <a:srgbClr val="002060"/>
-                </a:solidFill>
-                <a:latin typeface="Microsoft JhengHei" panose="020B0604030504040204" pitchFamily="34" charset="-120"/>
-                <a:ea typeface="Microsoft JhengHei" panose="020B0604030504040204" pitchFamily="34" charset="-120"/>
-              </a:rPr>
-              <a:t>勝華筵美味嘉</a:t>
-            </a:r>
-            <a:r>
-              <a:rPr lang="zh-TW" altLang="en-US" sz="5400" b="1" dirty="0">
-                <a:solidFill>
-                  <a:srgbClr val="002060"/>
-                </a:solidFill>
-                <a:latin typeface="Microsoft JhengHei" panose="020B0604030504040204" pitchFamily="34" charset="-120"/>
-                <a:ea typeface="Microsoft JhengHei" panose="020B0604030504040204" pitchFamily="34" charset="-120"/>
-              </a:rPr>
-              <a:t>肴</a:t>
-            </a:r>
-            <a:endParaRPr lang="zh-TW" altLang="en-US" sz="5400" b="1" dirty="0">
-              <a:solidFill>
-                <a:srgbClr val="002060"/>
-              </a:solidFill>
-              <a:latin typeface="Microsoft JhengHei" panose="020B0604030504040204" pitchFamily="34" charset="-120"/>
-              <a:ea typeface="Microsoft JhengHei" panose="020B0604030504040204" pitchFamily="34" charset="-120"/>
-            </a:endParaRPr>
-          </a:p>
-        </p:txBody>
-      </p:sp>
-      <p:sp>
-        <p:nvSpPr>
-          <p:cNvPr id="6" name="Text Box 1"/>
-          <p:cNvSpPr txBox="1"/>
-          <p:nvPr/>
-        </p:nvSpPr>
-        <p:spPr>
-          <a:xfrm>
-            <a:off x="609600" y="1700808"/>
-            <a:ext cx="1380490" cy="923330"/>
-          </a:xfrm>
-          <a:prstGeom prst="rect">
-            <a:avLst/>
-          </a:prstGeom>
-          <a:noFill/>
-          <a:ln w="9525">
-            <a:noFill/>
-            <a:miter lim="800000"/>
-          </a:ln>
-        </p:spPr>
-        <p:txBody>
-          <a:bodyPr wrap="square">
-            <a:spAutoFit/>
-          </a:bodyPr>
-          <a:lstStyle/>
-          <a:p>
-            <a:pPr algn="ctr"/>
-            <a:r>
-              <a:rPr lang="en-US" sz="5400" b="1" dirty="0">
-                <a:solidFill>
-                  <a:srgbClr val="002060"/>
-                </a:solidFill>
-              </a:rPr>
-              <a:t>3</a:t>
-            </a:r>
-            <a:r>
-              <a:rPr lang="en-US" sz="5400" b="1" dirty="0" smtClean="0">
-                <a:solidFill>
-                  <a:srgbClr val="002060"/>
-                </a:solidFill>
-              </a:rPr>
-              <a:t>.</a:t>
-            </a:r>
-            <a:endParaRPr lang="en-US" sz="5400" b="1" dirty="0">
-              <a:solidFill>
-                <a:srgbClr val="002060"/>
-              </a:solidFill>
-            </a:endParaRPr>
-          </a:p>
         </p:txBody>
       </p:sp>
     </p:spTree>
     <p:extLst>
       <p:ext uri="{BB962C8B-B14F-4D97-AF65-F5344CB8AC3E}">
-        <p14:creationId xmlns:p14="http://schemas.microsoft.com/office/powerpoint/2010/main" val="4142592501"/>
+        <p14:creationId xmlns:p14="http://schemas.microsoft.com/office/powerpoint/2010/main" val="2608395547"/>
       </p:ext>
     </p:extLst>
   </p:cSld>
   <p:clrMapOvr>
     <a:masterClrMapping/>
   </p:clrMapOvr>
+  <p:timing>
+    <p:tnLst>
+      <p:par>
+        <p:cTn id="1" dur="indefinite" restart="never" nodeType="tmRoot"/>
+      </p:par>
+    </p:tnLst>
+  </p:timing>
 </p:sld>
 </file>
 
@@ -5024,202 +5338,98 @@
       </p:grpSpPr>
       <p:sp>
         <p:nvSpPr>
-          <p:cNvPr id="4" name="Title 3"/>
-          <p:cNvSpPr>
-            <a:spLocks noGrp="1"/>
-          </p:cNvSpPr>
-          <p:nvPr>
-            <p:ph type="title"/>
-          </p:nvPr>
-        </p:nvSpPr>
-        <p:spPr/>
-        <p:txBody>
-          <a:bodyPr>
+          <p:cNvPr id="5" name="內容版面配置區 4"/>
+          <p:cNvSpPr>
+            <a:spLocks noGrp="1"/>
+          </p:cNvSpPr>
+          <p:nvPr>
+            <p:ph idx="1"/>
+          </p:nvPr>
+        </p:nvSpPr>
+        <p:spPr>
+          <a:xfrm>
+            <a:off x="0" y="2084851"/>
+            <a:ext cx="12192000" cy="2404863"/>
+          </a:xfrm>
+        </p:spPr>
+        <p:txBody>
+          <a:bodyPr anchor="ctr">
             <a:normAutofit/>
           </a:bodyPr>
           <a:lstStyle/>
           <a:p>
-            <a:r>
-              <a:rPr lang="en-US" altLang="zh-CN" sz="4800" b="1" dirty="0">
-                <a:solidFill>
-                  <a:srgbClr val="002060"/>
+            <a:pPr marL="0" indent="0" algn="ctr">
+              <a:buNone/>
+            </a:pPr>
+            <a:r>
+              <a:rPr lang="zh-TW" altLang="en-US" sz="6400" b="1" dirty="0">
+                <a:solidFill>
+                  <a:srgbClr val="660033"/>
                 </a:solidFill>
                 <a:latin typeface="Microsoft JhengHei" panose="020B0604030504040204" pitchFamily="34" charset="-120"/>
                 <a:ea typeface="Microsoft JhengHei" panose="020B0604030504040204" pitchFamily="34" charset="-120"/>
               </a:rPr>
-              <a:t>【</a:t>
-            </a:r>
-            <a:r>
-              <a:rPr lang="zh-CN" altLang="en-US" sz="4800" b="1" dirty="0">
-                <a:solidFill>
-                  <a:srgbClr val="002060"/>
+              <a:t>今歸主為聖  專為主所用</a:t>
+            </a:r>
+          </a:p>
+          <a:p>
+            <a:pPr marL="0" indent="0" algn="ctr">
+              <a:buNone/>
+            </a:pPr>
+            <a:r>
+              <a:rPr lang="zh-TW" altLang="en-US" sz="6400" b="1" dirty="0">
+                <a:solidFill>
+                  <a:srgbClr val="660033"/>
                 </a:solidFill>
                 <a:latin typeface="Microsoft JhengHei" panose="020B0604030504040204" pitchFamily="34" charset="-120"/>
                 <a:ea typeface="Microsoft JhengHei" panose="020B0604030504040204" pitchFamily="34" charset="-120"/>
               </a:rPr>
-              <a:t>我屬乎主</a:t>
-            </a:r>
-            <a:r>
-              <a:rPr lang="en-US" altLang="zh-CN" sz="4800" b="1" dirty="0">
-                <a:solidFill>
-                  <a:srgbClr val="002060"/>
-                </a:solidFill>
-                <a:latin typeface="Microsoft JhengHei" panose="020B0604030504040204" pitchFamily="34" charset="-120"/>
-                <a:ea typeface="Microsoft JhengHei" panose="020B0604030504040204" pitchFamily="34" charset="-120"/>
-              </a:rPr>
-              <a:t>】</a:t>
-            </a:r>
-          </a:p>
-        </p:txBody>
-      </p:sp>
-      <p:sp>
-        <p:nvSpPr>
-          <p:cNvPr id="5" name="Content Placeholder 4"/>
-          <p:cNvSpPr>
-            <a:spLocks noGrp="1"/>
-          </p:cNvSpPr>
-          <p:nvPr>
-            <p:ph idx="1"/>
-          </p:nvPr>
-        </p:nvSpPr>
-        <p:spPr/>
-        <p:txBody>
-          <a:bodyPr>
-            <a:normAutofit/>
-          </a:bodyPr>
-          <a:lstStyle/>
-          <a:p>
-            <a:pPr marL="0" indent="0" algn="ctr">
-              <a:buNone/>
-            </a:pPr>
-            <a:r>
-              <a:rPr lang="zh-TW" altLang="en-US" sz="5400" b="1" dirty="0">
-                <a:solidFill>
-                  <a:srgbClr val="002060"/>
-                </a:solidFill>
-                <a:latin typeface="Microsoft JhengHei" panose="020B0604030504040204" pitchFamily="34" charset="-120"/>
-                <a:ea typeface="Microsoft JhengHei" panose="020B0604030504040204" pitchFamily="34" charset="-120"/>
-              </a:rPr>
-              <a:t>親之近</a:t>
-            </a:r>
-            <a:r>
-              <a:rPr lang="zh-TW" altLang="en-US" sz="5400" b="1" dirty="0">
-                <a:solidFill>
-                  <a:srgbClr val="002060"/>
-                </a:solidFill>
-                <a:latin typeface="Microsoft JhengHei" panose="020B0604030504040204" pitchFamily="34" charset="-120"/>
-                <a:ea typeface="Microsoft JhengHei" panose="020B0604030504040204" pitchFamily="34" charset="-120"/>
-              </a:rPr>
-              <a:t>之  日</a:t>
-            </a:r>
-            <a:r>
-              <a:rPr lang="zh-TW" altLang="en-US" sz="5400" b="1" dirty="0">
-                <a:solidFill>
-                  <a:srgbClr val="002060"/>
-                </a:solidFill>
-                <a:latin typeface="Microsoft JhengHei" panose="020B0604030504040204" pitchFamily="34" charset="-120"/>
-                <a:ea typeface="Microsoft JhengHei" panose="020B0604030504040204" pitchFamily="34" charset="-120"/>
-              </a:rPr>
-              <a:t>日近乎主</a:t>
-            </a:r>
-          </a:p>
-          <a:p>
-            <a:pPr marL="0" indent="0" algn="ctr">
-              <a:buNone/>
-            </a:pPr>
-            <a:r>
-              <a:rPr lang="zh-TW" altLang="en-US" sz="5400" b="1" dirty="0">
-                <a:solidFill>
-                  <a:srgbClr val="002060"/>
-                </a:solidFill>
-                <a:latin typeface="Microsoft JhengHei" panose="020B0604030504040204" pitchFamily="34" charset="-120"/>
-                <a:ea typeface="Microsoft JhengHei" panose="020B0604030504040204" pitchFamily="34" charset="-120"/>
-              </a:rPr>
-              <a:t>來到主受死聖</a:t>
-            </a:r>
-            <a:r>
-              <a:rPr lang="zh-TW" altLang="en-US" sz="5400" b="1" dirty="0">
-                <a:solidFill>
-                  <a:srgbClr val="002060"/>
-                </a:solidFill>
-                <a:latin typeface="Microsoft JhengHei" panose="020B0604030504040204" pitchFamily="34" charset="-120"/>
-                <a:ea typeface="Microsoft JhengHei" panose="020B0604030504040204" pitchFamily="34" charset="-120"/>
-              </a:rPr>
-              <a:t>架</a:t>
-            </a:r>
-            <a:endParaRPr lang="en-US" altLang="zh-TW" sz="5400" b="1" dirty="0">
+              <a:t>望日蒙新賜天恩</a:t>
+            </a:r>
+            <a:endParaRPr lang="en-US" altLang="zh-TW" sz="6400" b="1" dirty="0">
               <a:solidFill>
-                <a:srgbClr val="002060"/>
+                <a:srgbClr val="660033"/>
               </a:solidFill>
               <a:latin typeface="Microsoft JhengHei" panose="020B0604030504040204" pitchFamily="34" charset="-120"/>
               <a:ea typeface="Microsoft JhengHei" panose="020B0604030504040204" pitchFamily="34" charset="-120"/>
             </a:endParaRPr>
           </a:p>
-          <a:p>
-            <a:pPr marL="0" indent="0" algn="ctr">
-              <a:buNone/>
-            </a:pPr>
-            <a:r>
-              <a:rPr lang="zh-TW" altLang="en-US" sz="5400" b="1" dirty="0">
-                <a:solidFill>
-                  <a:srgbClr val="002060"/>
-                </a:solidFill>
-                <a:latin typeface="Microsoft JhengHei" panose="020B0604030504040204" pitchFamily="34" charset="-120"/>
-                <a:ea typeface="Microsoft JhengHei" panose="020B0604030504040204" pitchFamily="34" charset="-120"/>
+        </p:txBody>
+      </p:sp>
+      <p:sp>
+        <p:nvSpPr>
+          <p:cNvPr id="3" name="TextBox 2"/>
+          <p:cNvSpPr txBox="1"/>
+          <p:nvPr/>
+        </p:nvSpPr>
+        <p:spPr>
+          <a:xfrm>
+            <a:off x="431371" y="2180862"/>
+            <a:ext cx="1248139" cy="1200329"/>
+          </a:xfrm>
+          <a:prstGeom prst="rect">
+            <a:avLst/>
+          </a:prstGeom>
+          <a:noFill/>
+        </p:spPr>
+        <p:txBody>
+          <a:bodyPr wrap="square" rtlCol="0">
+            <a:spAutoFit/>
+          </a:bodyPr>
+          <a:lstStyle/>
+          <a:p>
+            <a:r>
+              <a:rPr lang="en-US" sz="7200" b="1" dirty="0">
+                <a:solidFill>
+                  <a:srgbClr val="660033"/>
+                </a:solidFill>
               </a:rPr>
-              <a:t>親之近之   近</a:t>
-            </a:r>
-            <a:r>
-              <a:rPr lang="zh-TW" altLang="en-US" sz="5400" b="1" dirty="0">
-                <a:solidFill>
-                  <a:srgbClr val="002060"/>
-                </a:solidFill>
-                <a:latin typeface="Microsoft JhengHei" panose="020B0604030504040204" pitchFamily="34" charset="-120"/>
-                <a:ea typeface="Microsoft JhengHei" panose="020B0604030504040204" pitchFamily="34" charset="-120"/>
-              </a:rPr>
-              <a:t>之  日</a:t>
-            </a:r>
-            <a:r>
-              <a:rPr lang="zh-TW" altLang="en-US" sz="5400" b="1" dirty="0">
-                <a:solidFill>
-                  <a:srgbClr val="002060"/>
-                </a:solidFill>
-                <a:latin typeface="Microsoft JhengHei" panose="020B0604030504040204" pitchFamily="34" charset="-120"/>
-                <a:ea typeface="Microsoft JhengHei" panose="020B0604030504040204" pitchFamily="34" charset="-120"/>
-              </a:rPr>
-              <a:t>日近乎主</a:t>
-            </a:r>
-          </a:p>
-          <a:p>
-            <a:pPr marL="0" indent="0" algn="ctr">
-              <a:buNone/>
-            </a:pPr>
-            <a:r>
-              <a:rPr lang="zh-TW" altLang="en-US" sz="5400" b="1" dirty="0">
-                <a:solidFill>
-                  <a:srgbClr val="002060"/>
-                </a:solidFill>
-                <a:latin typeface="Microsoft JhengHei" panose="020B0604030504040204" pitchFamily="34" charset="-120"/>
-                <a:ea typeface="Microsoft JhengHei" panose="020B0604030504040204" pitchFamily="34" charset="-120"/>
-              </a:rPr>
-              <a:t>到流血寶身之</a:t>
-            </a:r>
-            <a:r>
-              <a:rPr lang="zh-TW" altLang="en-US" sz="5400" b="1" dirty="0">
-                <a:solidFill>
-                  <a:srgbClr val="002060"/>
-                </a:solidFill>
-                <a:latin typeface="Microsoft JhengHei" panose="020B0604030504040204" pitchFamily="34" charset="-120"/>
-                <a:ea typeface="Microsoft JhengHei" panose="020B0604030504040204" pitchFamily="34" charset="-120"/>
-              </a:rPr>
-              <a:t>下</a:t>
-            </a:r>
-            <a:endParaRPr lang="zh-TW" altLang="en-US" sz="5400" b="1" dirty="0">
+              <a:t>2.</a:t>
+            </a:r>
+            <a:endParaRPr lang="vi-VN" sz="7200" b="1" dirty="0">
               <a:solidFill>
-                <a:srgbClr val="002060"/>
+                <a:srgbClr val="660033"/>
               </a:solidFill>
-              <a:latin typeface="Microsoft JhengHei" panose="020B0604030504040204" pitchFamily="34" charset="-120"/>
-              <a:ea typeface="Microsoft JhengHei" panose="020B0604030504040204" pitchFamily="34" charset="-120"/>
             </a:endParaRPr>
           </a:p>
         </p:txBody>
@@ -5227,13 +5437,20 @@
     </p:spTree>
     <p:extLst>
       <p:ext uri="{BB962C8B-B14F-4D97-AF65-F5344CB8AC3E}">
-        <p14:creationId xmlns:p14="http://schemas.microsoft.com/office/powerpoint/2010/main" val="2430021842"/>
+        <p14:creationId xmlns:p14="http://schemas.microsoft.com/office/powerpoint/2010/main" val="263197220"/>
       </p:ext>
     </p:extLst>
   </p:cSld>
   <p:clrMapOvr>
     <a:masterClrMapping/>
   </p:clrMapOvr>
+  <p:timing>
+    <p:tnLst>
+      <p:par>
+        <p:cTn id="1" dur="indefinite" restart="never" nodeType="tmRoot"/>
+      </p:par>
+    </p:tnLst>
+  </p:timing>
 </p:sld>
 </file>
 
@@ -5256,252 +5473,97 @@
       </p:grpSpPr>
       <p:sp>
         <p:nvSpPr>
-          <p:cNvPr id="4" name="Title 3"/>
-          <p:cNvSpPr>
-            <a:spLocks noGrp="1"/>
-          </p:cNvSpPr>
-          <p:nvPr>
-            <p:ph type="title"/>
-          </p:nvPr>
-        </p:nvSpPr>
-        <p:spPr/>
-        <p:txBody>
-          <a:bodyPr>
+          <p:cNvPr id="5" name="內容版面配置區 4"/>
+          <p:cNvSpPr>
+            <a:spLocks noGrp="1"/>
+          </p:cNvSpPr>
+          <p:nvPr>
+            <p:ph idx="1"/>
+          </p:nvPr>
+        </p:nvSpPr>
+        <p:spPr>
+          <a:xfrm>
+            <a:off x="0" y="2084851"/>
+            <a:ext cx="12192000" cy="2404863"/>
+          </a:xfrm>
+        </p:spPr>
+        <p:txBody>
+          <a:bodyPr anchor="ctr">
             <a:normAutofit/>
           </a:bodyPr>
           <a:lstStyle/>
           <a:p>
-            <a:r>
-              <a:rPr lang="en-US" altLang="zh-CN" sz="4800" b="1" dirty="0">
-                <a:solidFill>
-                  <a:srgbClr val="002060"/>
+            <a:pPr marL="0" indent="0" algn="ctr">
+              <a:buNone/>
+            </a:pPr>
+            <a:r>
+              <a:rPr lang="zh-TW" altLang="en-US" sz="6400" b="1" dirty="0">
+                <a:solidFill>
+                  <a:srgbClr val="660033"/>
                 </a:solidFill>
                 <a:latin typeface="Microsoft JhengHei" panose="020B0604030504040204" pitchFamily="34" charset="-120"/>
                 <a:ea typeface="Microsoft JhengHei" panose="020B0604030504040204" pitchFamily="34" charset="-120"/>
               </a:rPr>
-              <a:t>【</a:t>
-            </a:r>
-            <a:r>
-              <a:rPr lang="zh-CN" altLang="en-US" sz="4800" b="1" dirty="0">
-                <a:solidFill>
-                  <a:srgbClr val="002060"/>
+              <a:t>信望愛日增  口不主稱頌</a:t>
+            </a:r>
+          </a:p>
+          <a:p>
+            <a:pPr marL="0" indent="0" algn="ctr">
+              <a:buNone/>
+            </a:pPr>
+            <a:r>
+              <a:rPr lang="zh-TW" altLang="en-US" sz="6400" b="1" dirty="0">
+                <a:solidFill>
+                  <a:srgbClr val="660033"/>
                 </a:solidFill>
                 <a:latin typeface="Microsoft JhengHei" panose="020B0604030504040204" pitchFamily="34" charset="-120"/>
                 <a:ea typeface="Microsoft JhengHei" panose="020B0604030504040204" pitchFamily="34" charset="-120"/>
               </a:rPr>
-              <a:t>我屬乎主</a:t>
-            </a:r>
-            <a:r>
-              <a:rPr lang="en-US" altLang="zh-CN" sz="4800" b="1" dirty="0">
-                <a:solidFill>
-                  <a:srgbClr val="002060"/>
-                </a:solidFill>
-                <a:latin typeface="Microsoft JhengHei" panose="020B0604030504040204" pitchFamily="34" charset="-120"/>
-                <a:ea typeface="Microsoft JhengHei" panose="020B0604030504040204" pitchFamily="34" charset="-120"/>
-              </a:rPr>
-              <a:t>】</a:t>
-            </a:r>
-          </a:p>
-        </p:txBody>
-      </p:sp>
-      <p:sp>
-        <p:nvSpPr>
-          <p:cNvPr id="5" name="Content Placeholder 4"/>
-          <p:cNvSpPr>
-            <a:spLocks noGrp="1"/>
-          </p:cNvSpPr>
-          <p:nvPr>
-            <p:ph idx="1"/>
-          </p:nvPr>
-        </p:nvSpPr>
-        <p:spPr/>
-        <p:txBody>
-          <a:bodyPr>
-            <a:normAutofit/>
-          </a:bodyPr>
-          <a:lstStyle/>
-          <a:p>
-            <a:pPr marL="0" indent="0" algn="ctr">
-              <a:buNone/>
-            </a:pPr>
-            <a:r>
-              <a:rPr lang="zh-TW" altLang="en-US" sz="5400" b="1" dirty="0">
-                <a:solidFill>
-                  <a:srgbClr val="002060"/>
-                </a:solidFill>
-                <a:latin typeface="Microsoft JhengHei" panose="020B0604030504040204" pitchFamily="34" charset="-120"/>
-                <a:ea typeface="Microsoft JhengHei" panose="020B0604030504040204" pitchFamily="34" charset="-120"/>
-              </a:rPr>
-              <a:t>何其深主</a:t>
-            </a:r>
-            <a:r>
-              <a:rPr lang="zh-TW" altLang="en-US" sz="5400" b="1" dirty="0">
-                <a:solidFill>
-                  <a:srgbClr val="002060"/>
-                </a:solidFill>
-                <a:latin typeface="Microsoft JhengHei" panose="020B0604030504040204" pitchFamily="34" charset="-120"/>
-                <a:ea typeface="Microsoft JhengHei" panose="020B0604030504040204" pitchFamily="34" charset="-120"/>
-              </a:rPr>
-              <a:t>愛  何</a:t>
-            </a:r>
-            <a:r>
-              <a:rPr lang="zh-TW" altLang="en-US" sz="5400" b="1" dirty="0">
-                <a:solidFill>
-                  <a:srgbClr val="002060"/>
-                </a:solidFill>
-                <a:latin typeface="Microsoft JhengHei" panose="020B0604030504040204" pitchFamily="34" charset="-120"/>
-                <a:ea typeface="Microsoft JhengHei" panose="020B0604030504040204" pitchFamily="34" charset="-120"/>
-              </a:rPr>
-              <a:t>其大天樂</a:t>
-            </a:r>
-          </a:p>
-          <a:p>
-            <a:pPr marL="0" indent="0" algn="ctr">
-              <a:buNone/>
-            </a:pPr>
-            <a:r>
-              <a:rPr lang="zh-TW" altLang="en-US" sz="5400" b="1" dirty="0">
-                <a:solidFill>
-                  <a:srgbClr val="002060"/>
-                </a:solidFill>
-                <a:latin typeface="Microsoft JhengHei" panose="020B0604030504040204" pitchFamily="34" charset="-120"/>
-                <a:ea typeface="Microsoft JhengHei" panose="020B0604030504040204" pitchFamily="34" charset="-120"/>
-              </a:rPr>
-              <a:t>愛與樂來世顯</a:t>
-            </a:r>
-            <a:r>
-              <a:rPr lang="zh-TW" altLang="en-US" sz="5400" b="1" dirty="0">
-                <a:solidFill>
-                  <a:srgbClr val="002060"/>
-                </a:solidFill>
-                <a:latin typeface="Microsoft JhengHei" panose="020B0604030504040204" pitchFamily="34" charset="-120"/>
-                <a:ea typeface="Microsoft JhengHei" panose="020B0604030504040204" pitchFamily="34" charset="-120"/>
-              </a:rPr>
-              <a:t>明</a:t>
-            </a:r>
-            <a:endParaRPr lang="en-US" altLang="zh-TW" sz="5400" b="1" dirty="0">
+              <a:t>恆近主潔淨心身</a:t>
+            </a:r>
+            <a:endParaRPr lang="zh-TW" altLang="en-US" sz="6400" b="1" dirty="0">
               <a:solidFill>
-                <a:srgbClr val="002060"/>
+                <a:srgbClr val="660033"/>
               </a:solidFill>
               <a:latin typeface="Microsoft JhengHei" panose="020B0604030504040204" pitchFamily="34" charset="-120"/>
               <a:ea typeface="Microsoft JhengHei" panose="020B0604030504040204" pitchFamily="34" charset="-120"/>
             </a:endParaRPr>
           </a:p>
-          <a:p>
-            <a:pPr marL="0" indent="0" algn="ctr">
-              <a:buNone/>
-            </a:pPr>
-            <a:r>
-              <a:rPr lang="zh-TW" altLang="en-US" sz="5400" b="1" dirty="0">
-                <a:solidFill>
-                  <a:srgbClr val="002060"/>
-                </a:solidFill>
-                <a:latin typeface="Microsoft JhengHei" panose="020B0604030504040204" pitchFamily="34" charset="-120"/>
-                <a:ea typeface="Microsoft JhengHei" panose="020B0604030504040204" pitchFamily="34" charset="-120"/>
-              </a:rPr>
-              <a:t>靠於主心</a:t>
-            </a:r>
-            <a:r>
-              <a:rPr lang="zh-TW" altLang="en-US" sz="5400" b="1" dirty="0">
-                <a:solidFill>
-                  <a:srgbClr val="002060"/>
-                </a:solidFill>
-                <a:latin typeface="Microsoft JhengHei" panose="020B0604030504040204" pitchFamily="34" charset="-120"/>
-                <a:ea typeface="Microsoft JhengHei" panose="020B0604030504040204" pitchFamily="34" charset="-120"/>
-              </a:rPr>
-              <a:t>懷  已</a:t>
-            </a:r>
-            <a:r>
-              <a:rPr lang="zh-TW" altLang="en-US" sz="5400" b="1" dirty="0">
-                <a:solidFill>
-                  <a:srgbClr val="002060"/>
-                </a:solidFill>
-                <a:latin typeface="Microsoft JhengHei" panose="020B0604030504040204" pitchFamily="34" charset="-120"/>
-                <a:ea typeface="Microsoft JhengHei" panose="020B0604030504040204" pitchFamily="34" charset="-120"/>
-              </a:rPr>
-              <a:t>去盡罪惡</a:t>
-            </a:r>
-          </a:p>
-          <a:p>
-            <a:pPr marL="0" indent="0" algn="ctr">
-              <a:buNone/>
-            </a:pPr>
-            <a:r>
-              <a:rPr lang="zh-TW" altLang="en-US" sz="5400" b="1" dirty="0">
-                <a:solidFill>
-                  <a:srgbClr val="002060"/>
-                </a:solidFill>
-                <a:latin typeface="Microsoft JhengHei" panose="020B0604030504040204" pitchFamily="34" charset="-120"/>
-                <a:ea typeface="Microsoft JhengHei" panose="020B0604030504040204" pitchFamily="34" charset="-120"/>
-              </a:rPr>
-              <a:t>主榮光照耀罪</a:t>
-            </a:r>
-            <a:r>
-              <a:rPr lang="zh-TW" altLang="en-US" sz="5400" b="1" dirty="0">
-                <a:solidFill>
-                  <a:srgbClr val="002060"/>
-                </a:solidFill>
-                <a:latin typeface="Microsoft JhengHei" panose="020B0604030504040204" pitchFamily="34" charset="-120"/>
-                <a:ea typeface="Microsoft JhengHei" panose="020B0604030504040204" pitchFamily="34" charset="-120"/>
-              </a:rPr>
-              <a:t>人</a:t>
-            </a:r>
-            <a:endParaRPr lang="zh-TW" altLang="en-US" sz="5400" b="1" dirty="0">
-              <a:solidFill>
-                <a:srgbClr val="002060"/>
-              </a:solidFill>
-              <a:latin typeface="Microsoft JhengHei" panose="020B0604030504040204" pitchFamily="34" charset="-120"/>
-              <a:ea typeface="Microsoft JhengHei" panose="020B0604030504040204" pitchFamily="34" charset="-120"/>
-            </a:endParaRPr>
-          </a:p>
-        </p:txBody>
-      </p:sp>
-      <p:sp>
-        <p:nvSpPr>
-          <p:cNvPr id="6" name="Text Box 1"/>
+        </p:txBody>
+      </p:sp>
+      <p:sp>
+        <p:nvSpPr>
+          <p:cNvPr id="3" name="TextBox 2"/>
           <p:cNvSpPr txBox="1"/>
           <p:nvPr/>
         </p:nvSpPr>
         <p:spPr>
           <a:xfrm>
-            <a:off x="609600" y="1700808"/>
-            <a:ext cx="1380490" cy="923330"/>
+            <a:off x="431371" y="2180862"/>
+            <a:ext cx="1248139" cy="1200329"/>
           </a:xfrm>
           <a:prstGeom prst="rect">
             <a:avLst/>
           </a:prstGeom>
           <a:noFill/>
-          <a:ln w="9525">
-            <a:noFill/>
-            <a:miter lim="800000"/>
-          </a:ln>
         </p:spPr>
         <p:txBody>
-          <a:bodyPr wrap="square">
+          <a:bodyPr wrap="square" rtlCol="0">
             <a:spAutoFit/>
           </a:bodyPr>
           <a:lstStyle/>
           <a:p>
-            <a:pPr algn="ctr"/>
-            <a:r>
-              <a:rPr lang="en-US" sz="5400" b="1" dirty="0">
-                <a:solidFill>
-                  <a:srgbClr val="002060"/>
+            <a:r>
+              <a:rPr lang="en-US" sz="7200" b="1" dirty="0">
+                <a:solidFill>
+                  <a:srgbClr val="660033"/>
                 </a:solidFill>
               </a:rPr>
-              <a:t>4</a:t>
-            </a:r>
-            <a:r>
-              <a:rPr lang="en-US" sz="5400" b="1" dirty="0" smtClean="0">
-                <a:solidFill>
-                  <a:srgbClr val="002060"/>
-                </a:solidFill>
-              </a:rPr>
-              <a:t>.</a:t>
-            </a:r>
-            <a:endParaRPr lang="en-US" sz="5400" b="1" dirty="0">
+              <a:t>2.</a:t>
+            </a:r>
+            <a:endParaRPr lang="vi-VN" sz="7200" b="1" dirty="0">
               <a:solidFill>
-                <a:srgbClr val="002060"/>
+                <a:srgbClr val="660033"/>
               </a:solidFill>
             </a:endParaRPr>
           </a:p>
@@ -5510,13 +5572,20 @@
     </p:spTree>
     <p:extLst>
       <p:ext uri="{BB962C8B-B14F-4D97-AF65-F5344CB8AC3E}">
-        <p14:creationId xmlns:p14="http://schemas.microsoft.com/office/powerpoint/2010/main" val="168084773"/>
+        <p14:creationId xmlns:p14="http://schemas.microsoft.com/office/powerpoint/2010/main" val="2440531985"/>
       </p:ext>
     </p:extLst>
   </p:cSld>
   <p:clrMapOvr>
     <a:masterClrMapping/>
   </p:clrMapOvr>
+  <p:timing>
+    <p:tnLst>
+      <p:par>
+        <p:cTn id="1" dur="indefinite" restart="never" nodeType="tmRoot"/>
+      </p:par>
+    </p:tnLst>
+  </p:timing>
 </p:sld>
 </file>
 
@@ -5539,216 +5608,178 @@
       </p:grpSpPr>
       <p:sp>
         <p:nvSpPr>
-          <p:cNvPr id="4" name="Title 3"/>
-          <p:cNvSpPr>
-            <a:spLocks noGrp="1"/>
-          </p:cNvSpPr>
-          <p:nvPr>
-            <p:ph type="title"/>
-          </p:nvPr>
-        </p:nvSpPr>
-        <p:spPr/>
-        <p:txBody>
-          <a:bodyPr>
+          <p:cNvPr id="5" name="內容版面配置區 4"/>
+          <p:cNvSpPr>
+            <a:spLocks noGrp="1"/>
+          </p:cNvSpPr>
+          <p:nvPr>
+            <p:ph idx="1"/>
+          </p:nvPr>
+        </p:nvSpPr>
+        <p:spPr>
+          <a:xfrm>
+            <a:off x="0" y="2084851"/>
+            <a:ext cx="12192000" cy="2404863"/>
+          </a:xfrm>
+        </p:spPr>
+        <p:txBody>
+          <a:bodyPr anchor="ctr">
             <a:normAutofit/>
           </a:bodyPr>
           <a:lstStyle/>
           <a:p>
-            <a:r>
-              <a:rPr lang="en-US" altLang="zh-CN" sz="4800" b="1" dirty="0">
-                <a:solidFill>
-                  <a:srgbClr val="002060"/>
+            <a:pPr marL="0" indent="0" algn="ctr">
+              <a:buNone/>
+            </a:pPr>
+            <a:r>
+              <a:rPr lang="zh-TW" altLang="en-US" sz="6400" b="1" dirty="0">
+                <a:solidFill>
+                  <a:srgbClr val="660033"/>
                 </a:solidFill>
                 <a:latin typeface="Microsoft JhengHei" panose="020B0604030504040204" pitchFamily="34" charset="-120"/>
                 <a:ea typeface="Microsoft JhengHei" panose="020B0604030504040204" pitchFamily="34" charset="-120"/>
               </a:rPr>
-              <a:t>【</a:t>
-            </a:r>
-            <a:r>
-              <a:rPr lang="zh-CN" altLang="en-US" sz="4800" b="1" dirty="0">
-                <a:solidFill>
-                  <a:srgbClr val="002060"/>
+              <a:t>親之近之  日日近乎主</a:t>
+            </a:r>
+          </a:p>
+          <a:p>
+            <a:pPr marL="0" indent="0" algn="ctr">
+              <a:buNone/>
+            </a:pPr>
+            <a:r>
+              <a:rPr lang="zh-TW" altLang="en-US" sz="6400" b="1" dirty="0">
+                <a:solidFill>
+                  <a:srgbClr val="660033"/>
                 </a:solidFill>
                 <a:latin typeface="Microsoft JhengHei" panose="020B0604030504040204" pitchFamily="34" charset="-120"/>
                 <a:ea typeface="Microsoft JhengHei" panose="020B0604030504040204" pitchFamily="34" charset="-120"/>
               </a:rPr>
-              <a:t>我屬乎主</a:t>
-            </a:r>
-            <a:r>
-              <a:rPr lang="en-US" altLang="zh-CN" sz="4800" b="1" dirty="0">
-                <a:solidFill>
-                  <a:srgbClr val="002060"/>
-                </a:solidFill>
-                <a:latin typeface="Microsoft JhengHei" panose="020B0604030504040204" pitchFamily="34" charset="-120"/>
-                <a:ea typeface="Microsoft JhengHei" panose="020B0604030504040204" pitchFamily="34" charset="-120"/>
-              </a:rPr>
-              <a:t>】</a:t>
-            </a:r>
-          </a:p>
-        </p:txBody>
-      </p:sp>
-      <p:sp>
-        <p:nvSpPr>
-          <p:cNvPr id="5" name="Content Placeholder 4"/>
-          <p:cNvSpPr>
-            <a:spLocks noGrp="1"/>
-          </p:cNvSpPr>
-          <p:nvPr>
-            <p:ph idx="1"/>
-          </p:nvPr>
-        </p:nvSpPr>
-        <p:spPr/>
-        <p:txBody>
-          <a:bodyPr>
-            <a:normAutofit/>
-          </a:bodyPr>
-          <a:lstStyle/>
-          <a:p>
-            <a:pPr marL="0" indent="0" algn="ctr">
-              <a:buNone/>
-            </a:pPr>
-            <a:r>
-              <a:rPr lang="zh-TW" altLang="en-US" sz="5400" b="1" dirty="0">
-                <a:solidFill>
-                  <a:srgbClr val="002060"/>
-                </a:solidFill>
-                <a:latin typeface="Microsoft JhengHei" panose="020B0604030504040204" pitchFamily="34" charset="-120"/>
-                <a:ea typeface="Microsoft JhengHei" panose="020B0604030504040204" pitchFamily="34" charset="-120"/>
-              </a:rPr>
-              <a:t>親之近</a:t>
-            </a:r>
-            <a:r>
-              <a:rPr lang="zh-TW" altLang="en-US" sz="5400" b="1" dirty="0">
-                <a:solidFill>
-                  <a:srgbClr val="002060"/>
-                </a:solidFill>
-                <a:latin typeface="Microsoft JhengHei" panose="020B0604030504040204" pitchFamily="34" charset="-120"/>
-                <a:ea typeface="Microsoft JhengHei" panose="020B0604030504040204" pitchFamily="34" charset="-120"/>
-              </a:rPr>
-              <a:t>之  日</a:t>
-            </a:r>
-            <a:r>
-              <a:rPr lang="zh-TW" altLang="en-US" sz="5400" b="1" dirty="0">
-                <a:solidFill>
-                  <a:srgbClr val="002060"/>
-                </a:solidFill>
-                <a:latin typeface="Microsoft JhengHei" panose="020B0604030504040204" pitchFamily="34" charset="-120"/>
-                <a:ea typeface="Microsoft JhengHei" panose="020B0604030504040204" pitchFamily="34" charset="-120"/>
-              </a:rPr>
-              <a:t>日近乎主</a:t>
-            </a:r>
-          </a:p>
-          <a:p>
-            <a:pPr marL="0" indent="0" algn="ctr">
-              <a:buNone/>
-            </a:pPr>
-            <a:r>
-              <a:rPr lang="zh-TW" altLang="en-US" sz="5400" b="1" dirty="0">
-                <a:solidFill>
-                  <a:srgbClr val="002060"/>
-                </a:solidFill>
-                <a:latin typeface="Microsoft JhengHei" panose="020B0604030504040204" pitchFamily="34" charset="-120"/>
-                <a:ea typeface="Microsoft JhengHei" panose="020B0604030504040204" pitchFamily="34" charset="-120"/>
-              </a:rPr>
-              <a:t>來到主受死聖</a:t>
-            </a:r>
-            <a:r>
-              <a:rPr lang="zh-TW" altLang="en-US" sz="5400" b="1" dirty="0">
-                <a:solidFill>
-                  <a:srgbClr val="002060"/>
-                </a:solidFill>
-                <a:latin typeface="Microsoft JhengHei" panose="020B0604030504040204" pitchFamily="34" charset="-120"/>
-                <a:ea typeface="Microsoft JhengHei" panose="020B0604030504040204" pitchFamily="34" charset="-120"/>
-              </a:rPr>
-              <a:t>架</a:t>
-            </a:r>
-            <a:endParaRPr lang="en-US" altLang="zh-TW" sz="5400" b="1" dirty="0">
+              <a:t>來到主受死聖架</a:t>
+            </a:r>
+            <a:endParaRPr lang="en-US" altLang="zh-TW" sz="6400" b="1" dirty="0">
               <a:solidFill>
-                <a:srgbClr val="002060"/>
+                <a:srgbClr val="660033"/>
               </a:solidFill>
               <a:latin typeface="Microsoft JhengHei" panose="020B0604030504040204" pitchFamily="34" charset="-120"/>
               <a:ea typeface="Microsoft JhengHei" panose="020B0604030504040204" pitchFamily="34" charset="-120"/>
             </a:endParaRPr>
           </a:p>
-          <a:p>
-            <a:pPr marL="0" indent="0" algn="ctr">
-              <a:buNone/>
-            </a:pPr>
-            <a:r>
-              <a:rPr lang="zh-TW" altLang="en-US" sz="5400" b="1" dirty="0">
-                <a:solidFill>
-                  <a:srgbClr val="002060"/>
-                </a:solidFill>
-                <a:latin typeface="Microsoft JhengHei" panose="020B0604030504040204" pitchFamily="34" charset="-120"/>
-                <a:ea typeface="Microsoft JhengHei" panose="020B0604030504040204" pitchFamily="34" charset="-120"/>
-              </a:rPr>
-              <a:t>親之近之   近</a:t>
-            </a:r>
-            <a:r>
-              <a:rPr lang="zh-TW" altLang="en-US" sz="5400" b="1" dirty="0">
-                <a:solidFill>
-                  <a:srgbClr val="002060"/>
-                </a:solidFill>
-                <a:latin typeface="Microsoft JhengHei" panose="020B0604030504040204" pitchFamily="34" charset="-120"/>
-                <a:ea typeface="Microsoft JhengHei" panose="020B0604030504040204" pitchFamily="34" charset="-120"/>
-              </a:rPr>
-              <a:t>之  日</a:t>
-            </a:r>
-            <a:r>
-              <a:rPr lang="zh-TW" altLang="en-US" sz="5400" b="1" dirty="0">
-                <a:solidFill>
-                  <a:srgbClr val="002060"/>
-                </a:solidFill>
-                <a:latin typeface="Microsoft JhengHei" panose="020B0604030504040204" pitchFamily="34" charset="-120"/>
-                <a:ea typeface="Microsoft JhengHei" panose="020B0604030504040204" pitchFamily="34" charset="-120"/>
-              </a:rPr>
-              <a:t>日近乎主</a:t>
-            </a:r>
-          </a:p>
-          <a:p>
-            <a:pPr marL="0" indent="0" algn="ctr">
-              <a:buNone/>
-            </a:pPr>
-            <a:r>
-              <a:rPr lang="zh-TW" altLang="en-US" sz="5400" b="1" dirty="0">
-                <a:solidFill>
-                  <a:srgbClr val="002060"/>
-                </a:solidFill>
-                <a:latin typeface="Microsoft JhengHei" panose="020B0604030504040204" pitchFamily="34" charset="-120"/>
-                <a:ea typeface="Microsoft JhengHei" panose="020B0604030504040204" pitchFamily="34" charset="-120"/>
-              </a:rPr>
-              <a:t>到流血寶身之</a:t>
-            </a:r>
-            <a:r>
-              <a:rPr lang="zh-TW" altLang="en-US" sz="5400" b="1" dirty="0">
-                <a:solidFill>
-                  <a:srgbClr val="002060"/>
-                </a:solidFill>
-                <a:latin typeface="Microsoft JhengHei" panose="020B0604030504040204" pitchFamily="34" charset="-120"/>
-                <a:ea typeface="Microsoft JhengHei" panose="020B0604030504040204" pitchFamily="34" charset="-120"/>
-              </a:rPr>
-              <a:t>下</a:t>
-            </a:r>
-            <a:endParaRPr lang="zh-TW" altLang="en-US" sz="5400" b="1" dirty="0">
-              <a:solidFill>
-                <a:srgbClr val="002060"/>
-              </a:solidFill>
-              <a:latin typeface="Microsoft JhengHei" panose="020B0604030504040204" pitchFamily="34" charset="-120"/>
-              <a:ea typeface="Microsoft JhengHei" panose="020B0604030504040204" pitchFamily="34" charset="-120"/>
-            </a:endParaRPr>
-          </a:p>
         </p:txBody>
       </p:sp>
     </p:spTree>
     <p:extLst>
       <p:ext uri="{BB962C8B-B14F-4D97-AF65-F5344CB8AC3E}">
-        <p14:creationId xmlns:p14="http://schemas.microsoft.com/office/powerpoint/2010/main" val="712292906"/>
+        <p14:creationId xmlns:p14="http://schemas.microsoft.com/office/powerpoint/2010/main" val="2196508087"/>
       </p:ext>
     </p:extLst>
   </p:cSld>
   <p:clrMapOvr>
     <a:masterClrMapping/>
   </p:clrMapOvr>
+  <p:timing>
+    <p:tnLst>
+      <p:par>
+        <p:cTn id="1" dur="indefinite" restart="never" nodeType="tmRoot"/>
+      </p:par>
+    </p:tnLst>
+  </p:timing>
+</p:sld>
+</file>
+
+<file path=ppt/slides/slide9.xml><?xml version="1.0" encoding="utf-8"?>
+<p:sld xmlns:a="http://schemas.openxmlformats.org/drawingml/2006/main" xmlns:r="http://schemas.openxmlformats.org/officeDocument/2006/relationships" xmlns:p="http://schemas.openxmlformats.org/presentationml/2006/main">
+  <p:cSld>
+    <p:spTree>
+      <p:nvGrpSpPr>
+        <p:cNvPr id="1" name=""/>
+        <p:cNvGrpSpPr/>
+        <p:nvPr/>
+      </p:nvGrpSpPr>
+      <p:grpSpPr>
+        <a:xfrm>
+          <a:off x="0" y="0"/>
+          <a:ext cx="0" cy="0"/>
+          <a:chOff x="0" y="0"/>
+          <a:chExt cx="0" cy="0"/>
+        </a:xfrm>
+      </p:grpSpPr>
+      <p:sp>
+        <p:nvSpPr>
+          <p:cNvPr id="5" name="內容版面配置區 4"/>
+          <p:cNvSpPr>
+            <a:spLocks noGrp="1"/>
+          </p:cNvSpPr>
+          <p:nvPr>
+            <p:ph idx="1"/>
+          </p:nvPr>
+        </p:nvSpPr>
+        <p:spPr>
+          <a:xfrm>
+            <a:off x="0" y="2084851"/>
+            <a:ext cx="12192000" cy="2404863"/>
+          </a:xfrm>
+        </p:spPr>
+        <p:txBody>
+          <a:bodyPr anchor="ctr">
+            <a:normAutofit/>
+          </a:bodyPr>
+          <a:lstStyle/>
+          <a:p>
+            <a:pPr marL="0" indent="0" algn="ctr">
+              <a:buNone/>
+            </a:pPr>
+            <a:r>
+              <a:rPr lang="zh-TW" altLang="en-US" sz="6400" b="1" dirty="0">
+                <a:solidFill>
+                  <a:srgbClr val="660033"/>
+                </a:solidFill>
+                <a:latin typeface="Microsoft JhengHei" panose="020B0604030504040204" pitchFamily="34" charset="-120"/>
+                <a:ea typeface="Microsoft JhengHei" panose="020B0604030504040204" pitchFamily="34" charset="-120"/>
+              </a:rPr>
+              <a:t>親之近之  近之  日日近乎主</a:t>
+            </a:r>
+          </a:p>
+          <a:p>
+            <a:pPr marL="0" indent="0" algn="ctr">
+              <a:buNone/>
+            </a:pPr>
+            <a:r>
+              <a:rPr lang="zh-TW" altLang="en-US" sz="6400" b="1" dirty="0">
+                <a:solidFill>
+                  <a:srgbClr val="660033"/>
+                </a:solidFill>
+                <a:latin typeface="Microsoft JhengHei" panose="020B0604030504040204" pitchFamily="34" charset="-120"/>
+                <a:ea typeface="Microsoft JhengHei" panose="020B0604030504040204" pitchFamily="34" charset="-120"/>
+              </a:rPr>
+              <a:t>到流血寶身之下</a:t>
+            </a:r>
+            <a:endParaRPr lang="zh-TW" altLang="en-US" sz="6400" b="1" dirty="0">
+              <a:solidFill>
+                <a:srgbClr val="660033"/>
+              </a:solidFill>
+              <a:latin typeface="Microsoft JhengHei" panose="020B0604030504040204" pitchFamily="34" charset="-120"/>
+              <a:ea typeface="Microsoft JhengHei" panose="020B0604030504040204" pitchFamily="34" charset="-120"/>
+            </a:endParaRPr>
+          </a:p>
+        </p:txBody>
+      </p:sp>
+    </p:spTree>
+    <p:extLst>
+      <p:ext uri="{BB962C8B-B14F-4D97-AF65-F5344CB8AC3E}">
+        <p14:creationId xmlns:p14="http://schemas.microsoft.com/office/powerpoint/2010/main" val="1438800644"/>
+      </p:ext>
+    </p:extLst>
+  </p:cSld>
+  <p:clrMapOvr>
+    <a:masterClrMapping/>
+  </p:clrMapOvr>
+  <p:timing>
+    <p:tnLst>
+      <p:par>
+        <p:cTn id="1" dur="indefinite" restart="never" nodeType="tmRoot"/>
+      </p:par>
+    </p:tnLst>
+  </p:timing>
 </p:sld>
 </file>
 

--- a/宣道詩/(宣道詩153) 我屬乎主.pptx
+++ b/宣道詩/(宣道詩153) 我屬乎主.pptx
@@ -3743,7 +3743,7 @@
         </p:nvSpPr>
         <p:spPr>
           <a:xfrm>
-            <a:off x="0" y="2857513"/>
+            <a:off x="0" y="2708920"/>
             <a:ext cx="12192000" cy="1143000"/>
           </a:xfrm>
         </p:spPr>
@@ -3835,24 +3835,7 @@
                 <a:latin typeface="微軟正黑體" pitchFamily="34" charset="-120"/>
                 <a:ea typeface="微軟正黑體" pitchFamily="34" charset="-120"/>
               </a:rPr>
-              <a:t>我</a:t>
-            </a:r>
-            <a:r>
-              <a:rPr lang="zh-CN" altLang="en-US" sz="8000" b="1" dirty="0">
-                <a:solidFill>
-                  <a:srgbClr val="660033"/>
-                </a:solidFill>
-                <a:effectLst>
-                  <a:outerShdw blurRad="38100" dist="38100" dir="2700000" algn="tl">
-                    <a:srgbClr val="000000">
-                      <a:alpha val="43137"/>
-                    </a:srgbClr>
-                  </a:outerShdw>
-                </a:effectLst>
-                <a:latin typeface="微軟正黑體" pitchFamily="34" charset="-120"/>
-                <a:ea typeface="微軟正黑體" pitchFamily="34" charset="-120"/>
-              </a:rPr>
-              <a:t>屬乎主</a:t>
+              <a:t>我屬乎主</a:t>
             </a:r>
             <a:endParaRPr lang="zh-TW" altLang="en-US" sz="8000" b="1" dirty="0">
               <a:solidFill>
@@ -4093,13 +4076,6 @@
               </a:rPr>
               <a:t>勝華美    味嘉肴</a:t>
             </a:r>
-            <a:endParaRPr lang="zh-TW" altLang="en-US" sz="6400" b="1" dirty="0">
-              <a:solidFill>
-                <a:srgbClr val="660033"/>
-              </a:solidFill>
-              <a:latin typeface="Microsoft JhengHei" panose="020B0604030504040204" pitchFamily="34" charset="-120"/>
-              <a:ea typeface="Microsoft JhengHei" panose="020B0604030504040204" pitchFamily="34" charset="-120"/>
-            </a:endParaRPr>
           </a:p>
         </p:txBody>
       </p:sp>
@@ -4361,13 +4337,6 @@
               </a:rPr>
               <a:t>到流血寶身之下</a:t>
             </a:r>
-            <a:endParaRPr lang="zh-TW" altLang="en-US" sz="6400" b="1" dirty="0">
-              <a:solidFill>
-                <a:srgbClr val="660033"/>
-              </a:solidFill>
-              <a:latin typeface="Microsoft JhengHei" panose="020B0604030504040204" pitchFamily="34" charset="-120"/>
-              <a:ea typeface="Microsoft JhengHei" panose="020B0604030504040204" pitchFamily="34" charset="-120"/>
-            </a:endParaRPr>
           </a:p>
         </p:txBody>
       </p:sp>
@@ -4593,13 +4562,6 @@
               </a:rPr>
               <a:t>主榮光照耀罪人</a:t>
             </a:r>
-            <a:endParaRPr lang="zh-TW" altLang="en-US" sz="6400" b="1" dirty="0">
-              <a:solidFill>
-                <a:srgbClr val="660033"/>
-              </a:solidFill>
-              <a:latin typeface="Microsoft JhengHei" panose="020B0604030504040204" pitchFamily="34" charset="-120"/>
-              <a:ea typeface="Microsoft JhengHei" panose="020B0604030504040204" pitchFamily="34" charset="-120"/>
-            </a:endParaRPr>
           </a:p>
         </p:txBody>
       </p:sp>
@@ -4825,13 +4787,6 @@
               </a:rPr>
               <a:t>到流血寶身之下</a:t>
             </a:r>
-            <a:endParaRPr lang="zh-TW" altLang="en-US" sz="6400" b="1" dirty="0">
-              <a:solidFill>
-                <a:srgbClr val="660033"/>
-              </a:solidFill>
-              <a:latin typeface="Microsoft JhengHei" panose="020B0604030504040204" pitchFamily="34" charset="-120"/>
-              <a:ea typeface="Microsoft JhengHei" panose="020B0604030504040204" pitchFamily="34" charset="-120"/>
-            </a:endParaRPr>
           </a:p>
         </p:txBody>
       </p:sp>
@@ -5057,13 +5012,6 @@
               </a:rPr>
               <a:t>常與主相近相親</a:t>
             </a:r>
-            <a:endParaRPr lang="zh-TW" altLang="en-US" sz="6400" b="1" dirty="0">
-              <a:solidFill>
-                <a:srgbClr val="660033"/>
-              </a:solidFill>
-              <a:latin typeface="Microsoft JhengHei" panose="020B0604030504040204" pitchFamily="34" charset="-120"/>
-              <a:ea typeface="Microsoft JhengHei" panose="020B0604030504040204" pitchFamily="34" charset="-120"/>
-            </a:endParaRPr>
           </a:p>
         </p:txBody>
       </p:sp>
@@ -5289,13 +5237,6 @@
               </a:rPr>
               <a:t>到流血寶身之下</a:t>
             </a:r>
-            <a:endParaRPr lang="zh-TW" altLang="en-US" sz="6400" b="1" dirty="0">
-              <a:solidFill>
-                <a:srgbClr val="660033"/>
-              </a:solidFill>
-              <a:latin typeface="Microsoft JhengHei" panose="020B0604030504040204" pitchFamily="34" charset="-120"/>
-              <a:ea typeface="Microsoft JhengHei" panose="020B0604030504040204" pitchFamily="34" charset="-120"/>
-            </a:endParaRPr>
           </a:p>
         </p:txBody>
       </p:sp>
@@ -5521,13 +5462,6 @@
               </a:rPr>
               <a:t>恆近主潔淨心身</a:t>
             </a:r>
-            <a:endParaRPr lang="zh-TW" altLang="en-US" sz="6400" b="1" dirty="0">
-              <a:solidFill>
-                <a:srgbClr val="660033"/>
-              </a:solidFill>
-              <a:latin typeface="Microsoft JhengHei" panose="020B0604030504040204" pitchFamily="34" charset="-120"/>
-              <a:ea typeface="Microsoft JhengHei" panose="020B0604030504040204" pitchFamily="34" charset="-120"/>
-            </a:endParaRPr>
           </a:p>
         </p:txBody>
       </p:sp>
@@ -5753,13 +5687,6 @@
               </a:rPr>
               <a:t>到流血寶身之下</a:t>
             </a:r>
-            <a:endParaRPr lang="zh-TW" altLang="en-US" sz="6400" b="1" dirty="0">
-              <a:solidFill>
-                <a:srgbClr val="660033"/>
-              </a:solidFill>
-              <a:latin typeface="Microsoft JhengHei" panose="020B0604030504040204" pitchFamily="34" charset="-120"/>
-              <a:ea typeface="Microsoft JhengHei" panose="020B0604030504040204" pitchFamily="34" charset="-120"/>
-            </a:endParaRPr>
           </a:p>
         </p:txBody>
       </p:sp>

--- a/宣道詩/(宣道詩153) 我屬乎主.pptx
+++ b/宣道詩/(宣道詩153) 我屬乎主.pptx
@@ -3953,14 +3953,14 @@
       </p:sp>
       <p:sp>
         <p:nvSpPr>
-          <p:cNvPr id="3" name="TextBox 2"/>
+          <p:cNvPr id="4" name="TextBox 3"/>
           <p:cNvSpPr txBox="1"/>
           <p:nvPr/>
         </p:nvSpPr>
         <p:spPr>
           <a:xfrm>
-            <a:off x="431371" y="2180862"/>
-            <a:ext cx="1248139" cy="1200329"/>
+            <a:off x="0" y="5229200"/>
+            <a:ext cx="12192000" cy="769441"/>
           </a:xfrm>
           <a:prstGeom prst="rect">
             <a:avLst/>
@@ -3973,18 +3973,43 @@
           </a:bodyPr>
           <a:lstStyle/>
           <a:p>
-            <a:r>
-              <a:rPr lang="en-US" sz="7200" b="1" dirty="0">
+            <a:pPr algn="ctr"/>
+            <a:r>
+              <a:rPr lang="en-US" sz="4400" b="1" dirty="0">
                 <a:solidFill>
                   <a:srgbClr val="660033"/>
                 </a:solidFill>
+                <a:effectLst/>
+                <a:latin typeface="+mn-lt"/>
               </a:rPr>
-              <a:t>3.</a:t>
-            </a:r>
-            <a:endParaRPr lang="vi-VN" sz="7200" b="1" dirty="0">
+              <a:t>( </a:t>
+            </a:r>
+            <a:r>
+              <a:rPr lang="en-US" sz="4400" b="1" dirty="0" smtClean="0">
+                <a:solidFill>
+                  <a:srgbClr val="660033"/>
+                </a:solidFill>
+                <a:effectLst/>
+                <a:latin typeface="+mn-lt"/>
+              </a:rPr>
+              <a:t>3 </a:t>
+            </a:r>
+            <a:r>
+              <a:rPr lang="en-US" sz="4400" b="1" dirty="0">
+                <a:solidFill>
+                  <a:srgbClr val="660033"/>
+                </a:solidFill>
+                <a:effectLst/>
+                <a:latin typeface="+mn-lt"/>
+              </a:rPr>
+              <a:t>)</a:t>
+            </a:r>
+            <a:endParaRPr lang="vi-VN" sz="4400" b="1" dirty="0">
               <a:solidFill>
                 <a:srgbClr val="660033"/>
               </a:solidFill>
+              <a:effectLst/>
+              <a:latin typeface="+mn-lt"/>
             </a:endParaRPr>
           </a:p>
         </p:txBody>
@@ -4081,44 +4106,6 @@
       </p:sp>
       <p:sp>
         <p:nvSpPr>
-          <p:cNvPr id="3" name="TextBox 2"/>
-          <p:cNvSpPr txBox="1"/>
-          <p:nvPr/>
-        </p:nvSpPr>
-        <p:spPr>
-          <a:xfrm>
-            <a:off x="431371" y="2180862"/>
-            <a:ext cx="1248139" cy="1200329"/>
-          </a:xfrm>
-          <a:prstGeom prst="rect">
-            <a:avLst/>
-          </a:prstGeom>
-          <a:noFill/>
-        </p:spPr>
-        <p:txBody>
-          <a:bodyPr wrap="square" rtlCol="0">
-            <a:spAutoFit/>
-          </a:bodyPr>
-          <a:lstStyle/>
-          <a:p>
-            <a:r>
-              <a:rPr lang="en-US" sz="7200" b="1" dirty="0">
-                <a:solidFill>
-                  <a:srgbClr val="660033"/>
-                </a:solidFill>
-              </a:rPr>
-              <a:t>3.</a:t>
-            </a:r>
-            <a:endParaRPr lang="vi-VN" sz="7200" b="1" dirty="0">
-              <a:solidFill>
-                <a:srgbClr val="660033"/>
-              </a:solidFill>
-            </a:endParaRPr>
-          </a:p>
-        </p:txBody>
-      </p:sp>
-      <p:sp>
-        <p:nvSpPr>
           <p:cNvPr id="2" name="TextBox 1"/>
           <p:cNvSpPr txBox="1"/>
           <p:nvPr/>
@@ -4150,6 +4137,69 @@
               <a:t>筵</a:t>
             </a:r>
             <a:endParaRPr lang="vi-VN" sz="6400" dirty="0"/>
+          </a:p>
+        </p:txBody>
+      </p:sp>
+      <p:sp>
+        <p:nvSpPr>
+          <p:cNvPr id="6" name="TextBox 5"/>
+          <p:cNvSpPr txBox="1"/>
+          <p:nvPr/>
+        </p:nvSpPr>
+        <p:spPr>
+          <a:xfrm>
+            <a:off x="0" y="5229200"/>
+            <a:ext cx="12192000" cy="769441"/>
+          </a:xfrm>
+          <a:prstGeom prst="rect">
+            <a:avLst/>
+          </a:prstGeom>
+          <a:noFill/>
+        </p:spPr>
+        <p:txBody>
+          <a:bodyPr wrap="square" rtlCol="0">
+            <a:spAutoFit/>
+          </a:bodyPr>
+          <a:lstStyle/>
+          <a:p>
+            <a:pPr algn="ctr"/>
+            <a:r>
+              <a:rPr lang="en-US" sz="4400" b="1" dirty="0">
+                <a:solidFill>
+                  <a:srgbClr val="660033"/>
+                </a:solidFill>
+                <a:effectLst/>
+                <a:latin typeface="+mn-lt"/>
+              </a:rPr>
+              <a:t>( </a:t>
+            </a:r>
+            <a:r>
+              <a:rPr lang="en-US" sz="4400" b="1" dirty="0" smtClean="0">
+                <a:solidFill>
+                  <a:srgbClr val="660033"/>
+                </a:solidFill>
+                <a:effectLst/>
+                <a:latin typeface="+mn-lt"/>
+              </a:rPr>
+              <a:t>3 </a:t>
+            </a:r>
+            <a:r>
+              <a:rPr lang="en-US" sz="4400" b="1" dirty="0">
+                <a:solidFill>
+                  <a:srgbClr val="660033"/>
+                </a:solidFill>
+                <a:effectLst/>
+                <a:latin typeface="+mn-lt"/>
+              </a:rPr>
+              <a:t>)</a:t>
+            </a:r>
+            <a:endParaRPr lang="vi-VN" sz="4400" b="1" dirty="0">
+              <a:solidFill>
+                <a:srgbClr val="660033"/>
+              </a:solidFill>
+              <a:effectLst/>
+              <a:latin typeface="+mn-lt"/>
+            </a:endParaRPr>
           </a:p>
         </p:txBody>
       </p:sp>
@@ -4439,14 +4489,14 @@
       </p:sp>
       <p:sp>
         <p:nvSpPr>
-          <p:cNvPr id="3" name="TextBox 2"/>
+          <p:cNvPr id="4" name="TextBox 3"/>
           <p:cNvSpPr txBox="1"/>
           <p:nvPr/>
         </p:nvSpPr>
         <p:spPr>
           <a:xfrm>
-            <a:off x="431371" y="2180862"/>
-            <a:ext cx="1248139" cy="1200329"/>
+            <a:off x="0" y="5229200"/>
+            <a:ext cx="12192000" cy="769441"/>
           </a:xfrm>
           <a:prstGeom prst="rect">
             <a:avLst/>
@@ -4459,18 +4509,43 @@
           </a:bodyPr>
           <a:lstStyle/>
           <a:p>
-            <a:r>
-              <a:rPr lang="en-US" sz="7200" b="1" dirty="0">
+            <a:pPr algn="ctr"/>
+            <a:r>
+              <a:rPr lang="en-US" sz="4400" b="1" dirty="0">
                 <a:solidFill>
                   <a:srgbClr val="660033"/>
                 </a:solidFill>
+                <a:effectLst/>
+                <a:latin typeface="+mn-lt"/>
               </a:rPr>
-              <a:t>4.</a:t>
-            </a:r>
-            <a:endParaRPr lang="vi-VN" sz="7200" b="1" dirty="0">
+              <a:t>( </a:t>
+            </a:r>
+            <a:r>
+              <a:rPr lang="en-US" sz="4400" b="1" dirty="0" smtClean="0">
+                <a:solidFill>
+                  <a:srgbClr val="660033"/>
+                </a:solidFill>
+                <a:effectLst/>
+                <a:latin typeface="+mn-lt"/>
+              </a:rPr>
+              <a:t>4 </a:t>
+            </a:r>
+            <a:r>
+              <a:rPr lang="en-US" sz="4400" b="1" dirty="0">
+                <a:solidFill>
+                  <a:srgbClr val="660033"/>
+                </a:solidFill>
+                <a:effectLst/>
+                <a:latin typeface="+mn-lt"/>
+              </a:rPr>
+              <a:t>)</a:t>
+            </a:r>
+            <a:endParaRPr lang="vi-VN" sz="4400" b="1" dirty="0">
               <a:solidFill>
                 <a:srgbClr val="660033"/>
               </a:solidFill>
+              <a:effectLst/>
+              <a:latin typeface="+mn-lt"/>
             </a:endParaRPr>
           </a:p>
         </p:txBody>
@@ -4567,14 +4642,14 @@
       </p:sp>
       <p:sp>
         <p:nvSpPr>
-          <p:cNvPr id="3" name="TextBox 2"/>
+          <p:cNvPr id="4" name="TextBox 3"/>
           <p:cNvSpPr txBox="1"/>
           <p:nvPr/>
         </p:nvSpPr>
         <p:spPr>
           <a:xfrm>
-            <a:off x="431371" y="2180862"/>
-            <a:ext cx="1248139" cy="1200329"/>
+            <a:off x="0" y="5229200"/>
+            <a:ext cx="12192000" cy="769441"/>
           </a:xfrm>
           <a:prstGeom prst="rect">
             <a:avLst/>
@@ -4587,18 +4662,43 @@
           </a:bodyPr>
           <a:lstStyle/>
           <a:p>
-            <a:r>
-              <a:rPr lang="en-US" sz="7200" b="1" dirty="0">
+            <a:pPr algn="ctr"/>
+            <a:r>
+              <a:rPr lang="en-US" sz="4400" b="1" dirty="0">
                 <a:solidFill>
                   <a:srgbClr val="660033"/>
                 </a:solidFill>
+                <a:effectLst/>
+                <a:latin typeface="+mn-lt"/>
               </a:rPr>
-              <a:t>4.</a:t>
-            </a:r>
-            <a:endParaRPr lang="vi-VN" sz="7200" b="1" dirty="0">
+              <a:t>( </a:t>
+            </a:r>
+            <a:r>
+              <a:rPr lang="en-US" sz="4400" b="1" dirty="0" smtClean="0">
+                <a:solidFill>
+                  <a:srgbClr val="660033"/>
+                </a:solidFill>
+                <a:effectLst/>
+                <a:latin typeface="+mn-lt"/>
+              </a:rPr>
+              <a:t>4 </a:t>
+            </a:r>
+            <a:r>
+              <a:rPr lang="en-US" sz="4400" b="1" dirty="0">
+                <a:solidFill>
+                  <a:srgbClr val="660033"/>
+                </a:solidFill>
+                <a:effectLst/>
+                <a:latin typeface="+mn-lt"/>
+              </a:rPr>
+              <a:t>)</a:t>
+            </a:r>
+            <a:endParaRPr lang="vi-VN" sz="4400" b="1" dirty="0">
               <a:solidFill>
                 <a:srgbClr val="660033"/>
               </a:solidFill>
+              <a:effectLst/>
+              <a:latin typeface="+mn-lt"/>
             </a:endParaRPr>
           </a:p>
         </p:txBody>
@@ -4889,14 +4989,14 @@
       </p:sp>
       <p:sp>
         <p:nvSpPr>
-          <p:cNvPr id="3" name="TextBox 2"/>
+          <p:cNvPr id="4" name="TextBox 3"/>
           <p:cNvSpPr txBox="1"/>
           <p:nvPr/>
         </p:nvSpPr>
         <p:spPr>
           <a:xfrm>
-            <a:off x="431371" y="2180862"/>
-            <a:ext cx="1248139" cy="1200329"/>
+            <a:off x="0" y="5229200"/>
+            <a:ext cx="12192000" cy="769441"/>
           </a:xfrm>
           <a:prstGeom prst="rect">
             <a:avLst/>
@@ -4909,18 +5009,23 @@
           </a:bodyPr>
           <a:lstStyle/>
           <a:p>
-            <a:r>
-              <a:rPr lang="en-US" sz="7200" b="1" dirty="0">
+            <a:pPr algn="ctr"/>
+            <a:r>
+              <a:rPr lang="en-US" sz="4400" b="1" dirty="0">
                 <a:solidFill>
                   <a:srgbClr val="660033"/>
                 </a:solidFill>
+                <a:effectLst/>
+                <a:latin typeface="+mn-lt"/>
               </a:rPr>
-              <a:t>1.</a:t>
-            </a:r>
-            <a:endParaRPr lang="vi-VN" sz="7200" b="1" dirty="0">
+              <a:t>( 1 )</a:t>
+            </a:r>
+            <a:endParaRPr lang="vi-VN" sz="4400" b="1" dirty="0">
               <a:solidFill>
                 <a:srgbClr val="660033"/>
               </a:solidFill>
+              <a:effectLst/>
+              <a:latin typeface="+mn-lt"/>
             </a:endParaRPr>
           </a:p>
         </p:txBody>
@@ -5017,14 +5122,14 @@
       </p:sp>
       <p:sp>
         <p:nvSpPr>
-          <p:cNvPr id="3" name="TextBox 2"/>
+          <p:cNvPr id="4" name="TextBox 3"/>
           <p:cNvSpPr txBox="1"/>
           <p:nvPr/>
         </p:nvSpPr>
         <p:spPr>
           <a:xfrm>
-            <a:off x="431371" y="2180862"/>
-            <a:ext cx="1248139" cy="1200329"/>
+            <a:off x="0" y="5229200"/>
+            <a:ext cx="12192000" cy="769441"/>
           </a:xfrm>
           <a:prstGeom prst="rect">
             <a:avLst/>
@@ -5037,18 +5142,23 @@
           </a:bodyPr>
           <a:lstStyle/>
           <a:p>
-            <a:r>
-              <a:rPr lang="en-US" sz="7200" b="1" dirty="0">
+            <a:pPr algn="ctr"/>
+            <a:r>
+              <a:rPr lang="en-US" sz="4400" b="1" dirty="0">
                 <a:solidFill>
                   <a:srgbClr val="660033"/>
                 </a:solidFill>
+                <a:effectLst/>
+                <a:latin typeface="+mn-lt"/>
               </a:rPr>
-              <a:t>1.</a:t>
-            </a:r>
-            <a:endParaRPr lang="vi-VN" sz="7200" b="1" dirty="0">
+              <a:t>( 1 )</a:t>
+            </a:r>
+            <a:endParaRPr lang="vi-VN" sz="4400" b="1" dirty="0">
               <a:solidFill>
                 <a:srgbClr val="660033"/>
               </a:solidFill>
+              <a:effectLst/>
+              <a:latin typeface="+mn-lt"/>
             </a:endParaRPr>
           </a:p>
         </p:txBody>
@@ -5339,14 +5449,14 @@
       </p:sp>
       <p:sp>
         <p:nvSpPr>
-          <p:cNvPr id="3" name="TextBox 2"/>
+          <p:cNvPr id="4" name="TextBox 3"/>
           <p:cNvSpPr txBox="1"/>
           <p:nvPr/>
         </p:nvSpPr>
         <p:spPr>
           <a:xfrm>
-            <a:off x="431371" y="2180862"/>
-            <a:ext cx="1248139" cy="1200329"/>
+            <a:off x="0" y="5229200"/>
+            <a:ext cx="12192000" cy="769441"/>
           </a:xfrm>
           <a:prstGeom prst="rect">
             <a:avLst/>
@@ -5359,18 +5469,43 @@
           </a:bodyPr>
           <a:lstStyle/>
           <a:p>
-            <a:r>
-              <a:rPr lang="en-US" sz="7200" b="1" dirty="0">
+            <a:pPr algn="ctr"/>
+            <a:r>
+              <a:rPr lang="en-US" sz="4400" b="1" dirty="0">
                 <a:solidFill>
                   <a:srgbClr val="660033"/>
                 </a:solidFill>
+                <a:effectLst/>
+                <a:latin typeface="+mn-lt"/>
               </a:rPr>
-              <a:t>2.</a:t>
-            </a:r>
-            <a:endParaRPr lang="vi-VN" sz="7200" b="1" dirty="0">
+              <a:t>( </a:t>
+            </a:r>
+            <a:r>
+              <a:rPr lang="en-US" sz="4400" b="1" dirty="0" smtClean="0">
+                <a:solidFill>
+                  <a:srgbClr val="660033"/>
+                </a:solidFill>
+                <a:effectLst/>
+                <a:latin typeface="+mn-lt"/>
+              </a:rPr>
+              <a:t>2 </a:t>
+            </a:r>
+            <a:r>
+              <a:rPr lang="en-US" sz="4400" b="1" dirty="0">
+                <a:solidFill>
+                  <a:srgbClr val="660033"/>
+                </a:solidFill>
+                <a:effectLst/>
+                <a:latin typeface="+mn-lt"/>
+              </a:rPr>
+              <a:t>)</a:t>
+            </a:r>
+            <a:endParaRPr lang="vi-VN" sz="4400" b="1" dirty="0">
               <a:solidFill>
                 <a:srgbClr val="660033"/>
               </a:solidFill>
+              <a:effectLst/>
+              <a:latin typeface="+mn-lt"/>
             </a:endParaRPr>
           </a:p>
         </p:txBody>
@@ -5467,14 +5602,14 @@
       </p:sp>
       <p:sp>
         <p:nvSpPr>
-          <p:cNvPr id="3" name="TextBox 2"/>
+          <p:cNvPr id="4" name="TextBox 3"/>
           <p:cNvSpPr txBox="1"/>
           <p:nvPr/>
         </p:nvSpPr>
         <p:spPr>
           <a:xfrm>
-            <a:off x="431371" y="2180862"/>
-            <a:ext cx="1248139" cy="1200329"/>
+            <a:off x="0" y="5229200"/>
+            <a:ext cx="12192000" cy="769441"/>
           </a:xfrm>
           <a:prstGeom prst="rect">
             <a:avLst/>
@@ -5487,18 +5622,43 @@
           </a:bodyPr>
           <a:lstStyle/>
           <a:p>
-            <a:r>
-              <a:rPr lang="en-US" sz="7200" b="1" dirty="0">
+            <a:pPr algn="ctr"/>
+            <a:r>
+              <a:rPr lang="en-US" sz="4400" b="1" dirty="0">
                 <a:solidFill>
                   <a:srgbClr val="660033"/>
                 </a:solidFill>
+                <a:effectLst/>
+                <a:latin typeface="+mn-lt"/>
               </a:rPr>
-              <a:t>2.</a:t>
-            </a:r>
-            <a:endParaRPr lang="vi-VN" sz="7200" b="1" dirty="0">
+              <a:t>( </a:t>
+            </a:r>
+            <a:r>
+              <a:rPr lang="en-US" sz="4400" b="1" dirty="0" smtClean="0">
+                <a:solidFill>
+                  <a:srgbClr val="660033"/>
+                </a:solidFill>
+                <a:effectLst/>
+                <a:latin typeface="+mn-lt"/>
+              </a:rPr>
+              <a:t>2 </a:t>
+            </a:r>
+            <a:r>
+              <a:rPr lang="en-US" sz="4400" b="1" dirty="0">
+                <a:solidFill>
+                  <a:srgbClr val="660033"/>
+                </a:solidFill>
+                <a:effectLst/>
+                <a:latin typeface="+mn-lt"/>
+              </a:rPr>
+              <a:t>)</a:t>
+            </a:r>
+            <a:endParaRPr lang="vi-VN" sz="4400" b="1" dirty="0">
               <a:solidFill>
                 <a:srgbClr val="660033"/>
               </a:solidFill>
+              <a:effectLst/>
+              <a:latin typeface="+mn-lt"/>
             </a:endParaRPr>
           </a:p>
         </p:txBody>

--- a/宣道詩/(宣道詩153) 我屬乎主.pptx
+++ b/宣道詩/(宣道詩153) 我屬乎主.pptx
@@ -3979,8 +3979,6 @@
                 <a:solidFill>
                   <a:srgbClr val="660033"/>
                 </a:solidFill>
-                <a:effectLst/>
-                <a:latin typeface="+mn-lt"/>
               </a:rPr>
               <a:t>( </a:t>
             </a:r>
@@ -3989,8 +3987,6 @@
                 <a:solidFill>
                   <a:srgbClr val="660033"/>
                 </a:solidFill>
-                <a:effectLst/>
-                <a:latin typeface="+mn-lt"/>
               </a:rPr>
               <a:t>3 </a:t>
             </a:r>
@@ -3999,17 +3995,13 @@
                 <a:solidFill>
                   <a:srgbClr val="660033"/>
                 </a:solidFill>
-                <a:effectLst/>
-                <a:latin typeface="+mn-lt"/>
               </a:rPr>
-              <a:t>)</a:t>
+              <a:t>/ 4 )</a:t>
             </a:r>
             <a:endParaRPr lang="vi-VN" sz="4400" b="1" dirty="0">
               <a:solidFill>
                 <a:srgbClr val="660033"/>
               </a:solidFill>
-              <a:effectLst/>
-              <a:latin typeface="+mn-lt"/>
             </a:endParaRPr>
           </a:p>
         </p:txBody>
@@ -4168,8 +4160,6 @@
                 <a:solidFill>
                   <a:srgbClr val="660033"/>
                 </a:solidFill>
-                <a:effectLst/>
-                <a:latin typeface="+mn-lt"/>
               </a:rPr>
               <a:t>( </a:t>
             </a:r>
@@ -4178,8 +4168,6 @@
                 <a:solidFill>
                   <a:srgbClr val="660033"/>
                 </a:solidFill>
-                <a:effectLst/>
-                <a:latin typeface="+mn-lt"/>
               </a:rPr>
               <a:t>3 </a:t>
             </a:r>
@@ -4188,17 +4176,13 @@
                 <a:solidFill>
                   <a:srgbClr val="660033"/>
                 </a:solidFill>
-                <a:effectLst/>
-                <a:latin typeface="+mn-lt"/>
               </a:rPr>
-              <a:t>)</a:t>
+              <a:t>/ 4 )</a:t>
             </a:r>
             <a:endParaRPr lang="vi-VN" sz="4400" b="1" dirty="0">
               <a:solidFill>
                 <a:srgbClr val="660033"/>
               </a:solidFill>
-              <a:effectLst/>
-              <a:latin typeface="+mn-lt"/>
             </a:endParaRPr>
           </a:p>
         </p:txBody>
@@ -4515,8 +4499,6 @@
                 <a:solidFill>
                   <a:srgbClr val="660033"/>
                 </a:solidFill>
-                <a:effectLst/>
-                <a:latin typeface="+mn-lt"/>
               </a:rPr>
               <a:t>( </a:t>
             </a:r>
@@ -4525,8 +4507,6 @@
                 <a:solidFill>
                   <a:srgbClr val="660033"/>
                 </a:solidFill>
-                <a:effectLst/>
-                <a:latin typeface="+mn-lt"/>
               </a:rPr>
               <a:t>4 </a:t>
             </a:r>
@@ -4535,17 +4515,13 @@
                 <a:solidFill>
                   <a:srgbClr val="660033"/>
                 </a:solidFill>
-                <a:effectLst/>
-                <a:latin typeface="+mn-lt"/>
               </a:rPr>
-              <a:t>)</a:t>
+              <a:t>/ 4 )</a:t>
             </a:r>
             <a:endParaRPr lang="vi-VN" sz="4400" b="1" dirty="0">
               <a:solidFill>
                 <a:srgbClr val="660033"/>
               </a:solidFill>
-              <a:effectLst/>
-              <a:latin typeface="+mn-lt"/>
             </a:endParaRPr>
           </a:p>
         </p:txBody>
@@ -4668,37 +4644,13 @@
                 <a:solidFill>
                   <a:srgbClr val="660033"/>
                 </a:solidFill>
-                <a:effectLst/>
-                <a:latin typeface="+mn-lt"/>
               </a:rPr>
-              <a:t>( </a:t>
-            </a:r>
-            <a:r>
-              <a:rPr lang="en-US" sz="4400" b="1" dirty="0" smtClean="0">
-                <a:solidFill>
-                  <a:srgbClr val="660033"/>
-                </a:solidFill>
-                <a:effectLst/>
-                <a:latin typeface="+mn-lt"/>
-              </a:rPr>
-              <a:t>4 </a:t>
-            </a:r>
-            <a:r>
-              <a:rPr lang="en-US" sz="4400" b="1" dirty="0">
-                <a:solidFill>
-                  <a:srgbClr val="660033"/>
-                </a:solidFill>
-                <a:effectLst/>
-                <a:latin typeface="+mn-lt"/>
-              </a:rPr>
-              <a:t>)</a:t>
+              <a:t>( 4 / 4 )</a:t>
             </a:r>
             <a:endParaRPr lang="vi-VN" sz="4400" b="1" dirty="0">
               <a:solidFill>
                 <a:srgbClr val="660033"/>
               </a:solidFill>
-              <a:effectLst/>
-              <a:latin typeface="+mn-lt"/>
             </a:endParaRPr>
           </a:p>
         </p:txBody>
@@ -5018,7 +4970,27 @@
                 <a:effectLst/>
                 <a:latin typeface="+mn-lt"/>
               </a:rPr>
-              <a:t>( 1 )</a:t>
+              <a:t>( </a:t>
+            </a:r>
+            <a:r>
+              <a:rPr lang="en-US" sz="4400" b="1" dirty="0" smtClean="0">
+                <a:solidFill>
+                  <a:srgbClr val="660033"/>
+                </a:solidFill>
+                <a:effectLst/>
+                <a:latin typeface="+mn-lt"/>
+              </a:rPr>
+              <a:t>1 / 4 </a:t>
+            </a:r>
+            <a:r>
+              <a:rPr lang="en-US" sz="4400" b="1" dirty="0">
+                <a:solidFill>
+                  <a:srgbClr val="660033"/>
+                </a:solidFill>
+                <a:effectLst/>
+                <a:latin typeface="+mn-lt"/>
+              </a:rPr>
+              <a:t>)</a:t>
             </a:r>
             <a:endParaRPr lang="vi-VN" sz="4400" b="1" dirty="0">
               <a:solidFill>
@@ -5148,17 +5120,13 @@
                 <a:solidFill>
                   <a:srgbClr val="660033"/>
                 </a:solidFill>
-                <a:effectLst/>
-                <a:latin typeface="+mn-lt"/>
               </a:rPr>
-              <a:t>( 1 )</a:t>
+              <a:t>( 1 / 4 )</a:t>
             </a:r>
             <a:endParaRPr lang="vi-VN" sz="4400" b="1" dirty="0">
               <a:solidFill>
                 <a:srgbClr val="660033"/>
               </a:solidFill>
-              <a:effectLst/>
-              <a:latin typeface="+mn-lt"/>
             </a:endParaRPr>
           </a:p>
         </p:txBody>
@@ -5475,8 +5443,6 @@
                 <a:solidFill>
                   <a:srgbClr val="660033"/>
                 </a:solidFill>
-                <a:effectLst/>
-                <a:latin typeface="+mn-lt"/>
               </a:rPr>
               <a:t>( </a:t>
             </a:r>
@@ -5485,8 +5451,6 @@
                 <a:solidFill>
                   <a:srgbClr val="660033"/>
                 </a:solidFill>
-                <a:effectLst/>
-                <a:latin typeface="+mn-lt"/>
               </a:rPr>
               <a:t>2 </a:t>
             </a:r>
@@ -5495,17 +5459,13 @@
                 <a:solidFill>
                   <a:srgbClr val="660033"/>
                 </a:solidFill>
-                <a:effectLst/>
-                <a:latin typeface="+mn-lt"/>
               </a:rPr>
-              <a:t>)</a:t>
+              <a:t>/ 4 )</a:t>
             </a:r>
             <a:endParaRPr lang="vi-VN" sz="4400" b="1" dirty="0">
               <a:solidFill>
                 <a:srgbClr val="660033"/>
               </a:solidFill>
-              <a:effectLst/>
-              <a:latin typeface="+mn-lt"/>
             </a:endParaRPr>
           </a:p>
         </p:txBody>
@@ -5628,37 +5588,13 @@
                 <a:solidFill>
                   <a:srgbClr val="660033"/>
                 </a:solidFill>
-                <a:effectLst/>
-                <a:latin typeface="+mn-lt"/>
               </a:rPr>
-              <a:t>( </a:t>
-            </a:r>
-            <a:r>
-              <a:rPr lang="en-US" sz="4400" b="1" dirty="0" smtClean="0">
-                <a:solidFill>
-                  <a:srgbClr val="660033"/>
-                </a:solidFill>
-                <a:effectLst/>
-                <a:latin typeface="+mn-lt"/>
-              </a:rPr>
-              <a:t>2 </a:t>
-            </a:r>
-            <a:r>
-              <a:rPr lang="en-US" sz="4400" b="1" dirty="0">
-                <a:solidFill>
-                  <a:srgbClr val="660033"/>
-                </a:solidFill>
-                <a:effectLst/>
-                <a:latin typeface="+mn-lt"/>
-              </a:rPr>
-              <a:t>)</a:t>
+              <a:t>( 2 / 4 )</a:t>
             </a:r>
             <a:endParaRPr lang="vi-VN" sz="4400" b="1" dirty="0">
               <a:solidFill>
                 <a:srgbClr val="660033"/>
               </a:solidFill>
-              <a:effectLst/>
-              <a:latin typeface="+mn-lt"/>
             </a:endParaRPr>
           </a:p>
         </p:txBody>
